--- a/Findings_Analysis of Customer Service Data_E-commerce Company_Nile.pptx
+++ b/Findings_Analysis of Customer Service Data_E-commerce Company_Nile.pptx
@@ -14933,7 +14933,7 @@
             </a:pPr>
             <a:r>
               <a:rPr lang="en-US" dirty="0"/>
-              <a:t>(Chatbot, Email, Web)- 67.7%</a:t>
+              <a:t>Communication Mode Used(Chatbot, Email, Web)- 67.7%</a:t>
             </a:r>
           </a:p>
           <a:p>
@@ -14946,7 +14946,7 @@
             </a:pPr>
             <a:r>
               <a:rPr lang="en-US" dirty="0"/>
-              <a:t>(Call Center)- 32.7%</a:t>
+              <a:t>Communication Mode Used(Call Center)- 32.7%</a:t>
             </a:r>
           </a:p>
           <a:p>

--- a/Findings_Analysis of Customer Service Data_E-commerce Company_Nile.pptx
+++ b/Findings_Analysis of Customer Service Data_E-commerce Company_Nile.pptx
@@ -1616,813 +1616,6 @@
 </dgm:colorsDef>
 </file>
 
-<file path=ppt/diagrams/colors3.xml><?xml version="1.0" encoding="utf-8"?>
-<dgm:colorsDef xmlns:dgm="http://schemas.openxmlformats.org/drawingml/2006/diagram" xmlns:a="http://schemas.openxmlformats.org/drawingml/2006/main" uniqueId="urn:microsoft.com/office/officeart/2005/8/colors/accent0_1">
-  <dgm:title val=""/>
-  <dgm:desc val=""/>
-  <dgm:catLst>
-    <dgm:cat type="mainScheme" pri="10100"/>
-  </dgm:catLst>
-  <dgm:styleLbl name="node0">
-    <dgm:fillClrLst meth="repeat">
-      <a:schemeClr val="lt1"/>
-    </dgm:fillClrLst>
-    <dgm:linClrLst meth="repeat">
-      <a:schemeClr val="dk1">
-        <a:shade val="80000"/>
-      </a:schemeClr>
-    </dgm:linClrLst>
-    <dgm:effectClrLst/>
-    <dgm:txLinClrLst/>
-    <dgm:txFillClrLst meth="repeat">
-      <a:schemeClr val="dk1"/>
-    </dgm:txFillClrLst>
-    <dgm:txEffectClrLst/>
-  </dgm:styleLbl>
-  <dgm:styleLbl name="node1">
-    <dgm:fillClrLst meth="repeat">
-      <a:schemeClr val="lt1"/>
-    </dgm:fillClrLst>
-    <dgm:linClrLst meth="repeat">
-      <a:schemeClr val="dk1">
-        <a:shade val="80000"/>
-      </a:schemeClr>
-    </dgm:linClrLst>
-    <dgm:effectClrLst/>
-    <dgm:txLinClrLst/>
-    <dgm:txFillClrLst meth="repeat">
-      <a:schemeClr val="dk1"/>
-    </dgm:txFillClrLst>
-    <dgm:txEffectClrLst/>
-  </dgm:styleLbl>
-  <dgm:styleLbl name="alignNode1">
-    <dgm:fillClrLst meth="repeat">
-      <a:schemeClr val="lt1"/>
-    </dgm:fillClrLst>
-    <dgm:linClrLst meth="repeat">
-      <a:schemeClr val="dk1">
-        <a:shade val="80000"/>
-      </a:schemeClr>
-    </dgm:linClrLst>
-    <dgm:effectClrLst/>
-    <dgm:txLinClrLst/>
-    <dgm:txFillClrLst meth="repeat">
-      <a:schemeClr val="dk1"/>
-    </dgm:txFillClrLst>
-    <dgm:txEffectClrLst/>
-  </dgm:styleLbl>
-  <dgm:styleLbl name="lnNode1">
-    <dgm:fillClrLst meth="repeat">
-      <a:schemeClr val="lt1"/>
-    </dgm:fillClrLst>
-    <dgm:linClrLst meth="repeat">
-      <a:schemeClr val="dk1">
-        <a:shade val="80000"/>
-      </a:schemeClr>
-    </dgm:linClrLst>
-    <dgm:effectClrLst/>
-    <dgm:txLinClrLst/>
-    <dgm:txFillClrLst meth="repeat">
-      <a:schemeClr val="dk1"/>
-    </dgm:txFillClrLst>
-    <dgm:txEffectClrLst/>
-  </dgm:styleLbl>
-  <dgm:styleLbl name="vennNode1">
-    <dgm:fillClrLst meth="repeat">
-      <a:schemeClr val="lt1">
-        <a:alpha val="50000"/>
-      </a:schemeClr>
-    </dgm:fillClrLst>
-    <dgm:linClrLst meth="repeat">
-      <a:schemeClr val="dk1">
-        <a:shade val="80000"/>
-      </a:schemeClr>
-    </dgm:linClrLst>
-    <dgm:effectClrLst/>
-    <dgm:txLinClrLst/>
-    <dgm:txFillClrLst/>
-    <dgm:txEffectClrLst/>
-  </dgm:styleLbl>
-  <dgm:styleLbl name="node2">
-    <dgm:fillClrLst meth="repeat">
-      <a:schemeClr val="lt1"/>
-    </dgm:fillClrLst>
-    <dgm:linClrLst meth="repeat">
-      <a:schemeClr val="dk1">
-        <a:shade val="80000"/>
-      </a:schemeClr>
-    </dgm:linClrLst>
-    <dgm:effectClrLst/>
-    <dgm:txLinClrLst/>
-    <dgm:txFillClrLst meth="repeat">
-      <a:schemeClr val="dk1"/>
-    </dgm:txFillClrLst>
-    <dgm:txEffectClrLst/>
-  </dgm:styleLbl>
-  <dgm:styleLbl name="node3">
-    <dgm:fillClrLst meth="repeat">
-      <a:schemeClr val="lt1"/>
-    </dgm:fillClrLst>
-    <dgm:linClrLst meth="repeat">
-      <a:schemeClr val="dk1">
-        <a:shade val="80000"/>
-      </a:schemeClr>
-    </dgm:linClrLst>
-    <dgm:effectClrLst/>
-    <dgm:txLinClrLst/>
-    <dgm:txFillClrLst meth="repeat">
-      <a:schemeClr val="dk1"/>
-    </dgm:txFillClrLst>
-    <dgm:txEffectClrLst/>
-  </dgm:styleLbl>
-  <dgm:styleLbl name="node4">
-    <dgm:fillClrLst meth="repeat">
-      <a:schemeClr val="lt1"/>
-    </dgm:fillClrLst>
-    <dgm:linClrLst meth="repeat">
-      <a:schemeClr val="dk1">
-        <a:shade val="80000"/>
-      </a:schemeClr>
-    </dgm:linClrLst>
-    <dgm:effectClrLst/>
-    <dgm:txLinClrLst/>
-    <dgm:txFillClrLst meth="repeat">
-      <a:schemeClr val="dk1"/>
-    </dgm:txFillClrLst>
-    <dgm:txEffectClrLst/>
-  </dgm:styleLbl>
-  <dgm:styleLbl name="fgImgPlace1">
-    <dgm:fillClrLst meth="repeat">
-      <a:schemeClr val="dk1">
-        <a:tint val="40000"/>
-      </a:schemeClr>
-    </dgm:fillClrLst>
-    <dgm:linClrLst meth="repeat">
-      <a:schemeClr val="dk1">
-        <a:shade val="80000"/>
-      </a:schemeClr>
-    </dgm:linClrLst>
-    <dgm:effectClrLst/>
-    <dgm:txLinClrLst/>
-    <dgm:txFillClrLst meth="repeat">
-      <a:schemeClr val="lt1"/>
-    </dgm:txFillClrLst>
-    <dgm:txEffectClrLst/>
-  </dgm:styleLbl>
-  <dgm:styleLbl name="alignImgPlace1">
-    <dgm:fillClrLst meth="repeat">
-      <a:schemeClr val="dk1">
-        <a:tint val="40000"/>
-      </a:schemeClr>
-    </dgm:fillClrLst>
-    <dgm:linClrLst meth="repeat">
-      <a:schemeClr val="dk1">
-        <a:shade val="80000"/>
-      </a:schemeClr>
-    </dgm:linClrLst>
-    <dgm:effectClrLst/>
-    <dgm:txLinClrLst/>
-    <dgm:txFillClrLst meth="repeat">
-      <a:schemeClr val="lt1"/>
-    </dgm:txFillClrLst>
-    <dgm:txEffectClrLst/>
-  </dgm:styleLbl>
-  <dgm:styleLbl name="bgImgPlace1">
-    <dgm:fillClrLst meth="repeat">
-      <a:schemeClr val="dk1">
-        <a:tint val="40000"/>
-      </a:schemeClr>
-    </dgm:fillClrLst>
-    <dgm:linClrLst meth="repeat">
-      <a:schemeClr val="dk1">
-        <a:shade val="80000"/>
-      </a:schemeClr>
-    </dgm:linClrLst>
-    <dgm:effectClrLst/>
-    <dgm:txLinClrLst/>
-    <dgm:txFillClrLst meth="repeat">
-      <a:schemeClr val="lt1"/>
-    </dgm:txFillClrLst>
-    <dgm:txEffectClrLst/>
-  </dgm:styleLbl>
-  <dgm:styleLbl name="sibTrans2D1">
-    <dgm:fillClrLst meth="repeat">
-      <a:schemeClr val="dk1">
-        <a:tint val="60000"/>
-      </a:schemeClr>
-    </dgm:fillClrLst>
-    <dgm:linClrLst meth="repeat">
-      <a:schemeClr val="dk1">
-        <a:tint val="60000"/>
-      </a:schemeClr>
-    </dgm:linClrLst>
-    <dgm:effectClrLst/>
-    <dgm:txLinClrLst/>
-    <dgm:txFillClrLst meth="repeat">
-      <a:schemeClr val="dk1"/>
-    </dgm:txFillClrLst>
-    <dgm:txEffectClrLst/>
-  </dgm:styleLbl>
-  <dgm:styleLbl name="fgSibTrans2D1">
-    <dgm:fillClrLst meth="repeat">
-      <a:schemeClr val="dk1">
-        <a:tint val="60000"/>
-      </a:schemeClr>
-    </dgm:fillClrLst>
-    <dgm:linClrLst meth="repeat">
-      <a:schemeClr val="dk1">
-        <a:tint val="60000"/>
-      </a:schemeClr>
-    </dgm:linClrLst>
-    <dgm:effectClrLst/>
-    <dgm:txLinClrLst/>
-    <dgm:txFillClrLst meth="repeat">
-      <a:schemeClr val="dk1"/>
-    </dgm:txFillClrLst>
-    <dgm:txEffectClrLst/>
-  </dgm:styleLbl>
-  <dgm:styleLbl name="bgSibTrans2D1">
-    <dgm:fillClrLst meth="repeat">
-      <a:schemeClr val="dk1">
-        <a:tint val="60000"/>
-      </a:schemeClr>
-    </dgm:fillClrLst>
-    <dgm:linClrLst meth="repeat">
-      <a:schemeClr val="dk1">
-        <a:tint val="60000"/>
-      </a:schemeClr>
-    </dgm:linClrLst>
-    <dgm:effectClrLst/>
-    <dgm:txLinClrLst/>
-    <dgm:txFillClrLst meth="repeat">
-      <a:schemeClr val="dk1"/>
-    </dgm:txFillClrLst>
-    <dgm:txEffectClrLst/>
-  </dgm:styleLbl>
-  <dgm:styleLbl name="sibTrans1D1">
-    <dgm:fillClrLst meth="repeat">
-      <a:schemeClr val="dk1"/>
-    </dgm:fillClrLst>
-    <dgm:linClrLst meth="repeat">
-      <a:schemeClr val="dk1"/>
-    </dgm:linClrLst>
-    <dgm:effectClrLst/>
-    <dgm:txLinClrLst/>
-    <dgm:txFillClrLst meth="repeat">
-      <a:schemeClr val="tx1"/>
-    </dgm:txFillClrLst>
-    <dgm:txEffectClrLst/>
-  </dgm:styleLbl>
-  <dgm:styleLbl name="callout">
-    <dgm:fillClrLst meth="repeat">
-      <a:schemeClr val="dk1"/>
-    </dgm:fillClrLst>
-    <dgm:linClrLst meth="repeat">
-      <a:schemeClr val="dk1"/>
-    </dgm:linClrLst>
-    <dgm:effectClrLst/>
-    <dgm:txLinClrLst/>
-    <dgm:txFillClrLst meth="repeat">
-      <a:schemeClr val="tx1"/>
-    </dgm:txFillClrLst>
-    <dgm:txEffectClrLst/>
-  </dgm:styleLbl>
-  <dgm:styleLbl name="asst0">
-    <dgm:fillClrLst meth="repeat">
-      <a:schemeClr val="lt1"/>
-    </dgm:fillClrLst>
-    <dgm:linClrLst meth="repeat">
-      <a:schemeClr val="dk1">
-        <a:shade val="80000"/>
-      </a:schemeClr>
-    </dgm:linClrLst>
-    <dgm:effectClrLst/>
-    <dgm:txLinClrLst/>
-    <dgm:txFillClrLst meth="repeat">
-      <a:schemeClr val="dk1"/>
-    </dgm:txFillClrLst>
-    <dgm:txEffectClrLst/>
-  </dgm:styleLbl>
-  <dgm:styleLbl name="asst1">
-    <dgm:fillClrLst meth="repeat">
-      <a:schemeClr val="lt1"/>
-    </dgm:fillClrLst>
-    <dgm:linClrLst meth="repeat">
-      <a:schemeClr val="dk1">
-        <a:shade val="80000"/>
-      </a:schemeClr>
-    </dgm:linClrLst>
-    <dgm:effectClrLst/>
-    <dgm:txLinClrLst/>
-    <dgm:txFillClrLst meth="repeat">
-      <a:schemeClr val="dk1"/>
-    </dgm:txFillClrLst>
-    <dgm:txEffectClrLst/>
-  </dgm:styleLbl>
-  <dgm:styleLbl name="asst2">
-    <dgm:fillClrLst meth="repeat">
-      <a:schemeClr val="lt1"/>
-    </dgm:fillClrLst>
-    <dgm:linClrLst meth="repeat">
-      <a:schemeClr val="dk1">
-        <a:shade val="80000"/>
-      </a:schemeClr>
-    </dgm:linClrLst>
-    <dgm:effectClrLst/>
-    <dgm:txLinClrLst/>
-    <dgm:txFillClrLst meth="repeat">
-      <a:schemeClr val="dk1"/>
-    </dgm:txFillClrLst>
-    <dgm:txEffectClrLst/>
-  </dgm:styleLbl>
-  <dgm:styleLbl name="asst3">
-    <dgm:fillClrLst meth="repeat">
-      <a:schemeClr val="lt1"/>
-    </dgm:fillClrLst>
-    <dgm:linClrLst meth="repeat">
-      <a:schemeClr val="dk1">
-        <a:shade val="80000"/>
-      </a:schemeClr>
-    </dgm:linClrLst>
-    <dgm:effectClrLst/>
-    <dgm:txLinClrLst/>
-    <dgm:txFillClrLst meth="repeat">
-      <a:schemeClr val="dk1"/>
-    </dgm:txFillClrLst>
-    <dgm:txEffectClrLst/>
-  </dgm:styleLbl>
-  <dgm:styleLbl name="asst4">
-    <dgm:fillClrLst meth="repeat">
-      <a:schemeClr val="lt1"/>
-    </dgm:fillClrLst>
-    <dgm:linClrLst meth="repeat">
-      <a:schemeClr val="dk1">
-        <a:shade val="80000"/>
-      </a:schemeClr>
-    </dgm:linClrLst>
-    <dgm:effectClrLst/>
-    <dgm:txLinClrLst/>
-    <dgm:txFillClrLst meth="repeat">
-      <a:schemeClr val="dk1"/>
-    </dgm:txFillClrLst>
-    <dgm:txEffectClrLst/>
-  </dgm:styleLbl>
-  <dgm:styleLbl name="parChTrans2D1">
-    <dgm:fillClrLst meth="repeat">
-      <a:schemeClr val="dk1">
-        <a:tint val="60000"/>
-      </a:schemeClr>
-    </dgm:fillClrLst>
-    <dgm:linClrLst meth="repeat">
-      <a:schemeClr val="dk1">
-        <a:tint val="60000"/>
-      </a:schemeClr>
-    </dgm:linClrLst>
-    <dgm:effectClrLst/>
-    <dgm:txLinClrLst/>
-    <dgm:txFillClrLst/>
-    <dgm:txEffectClrLst/>
-  </dgm:styleLbl>
-  <dgm:styleLbl name="parChTrans2D2">
-    <dgm:fillClrLst meth="repeat">
-      <a:schemeClr val="dk1"/>
-    </dgm:fillClrLst>
-    <dgm:linClrLst meth="repeat">
-      <a:schemeClr val="dk1"/>
-    </dgm:linClrLst>
-    <dgm:effectClrLst/>
-    <dgm:txLinClrLst/>
-    <dgm:txFillClrLst/>
-    <dgm:txEffectClrLst/>
-  </dgm:styleLbl>
-  <dgm:styleLbl name="parChTrans2D3">
-    <dgm:fillClrLst meth="repeat">
-      <a:schemeClr val="dk1"/>
-    </dgm:fillClrLst>
-    <dgm:linClrLst meth="repeat">
-      <a:schemeClr val="dk1"/>
-    </dgm:linClrLst>
-    <dgm:effectClrLst/>
-    <dgm:txLinClrLst/>
-    <dgm:txFillClrLst/>
-    <dgm:txEffectClrLst/>
-  </dgm:styleLbl>
-  <dgm:styleLbl name="parChTrans2D4">
-    <dgm:fillClrLst meth="repeat">
-      <a:schemeClr val="dk1"/>
-    </dgm:fillClrLst>
-    <dgm:linClrLst meth="repeat">
-      <a:schemeClr val="dk1"/>
-    </dgm:linClrLst>
-    <dgm:effectClrLst/>
-    <dgm:txLinClrLst/>
-    <dgm:txFillClrLst meth="repeat">
-      <a:schemeClr val="lt1"/>
-    </dgm:txFillClrLst>
-    <dgm:txEffectClrLst/>
-  </dgm:styleLbl>
-  <dgm:styleLbl name="parChTrans1D1">
-    <dgm:fillClrLst meth="repeat">
-      <a:schemeClr val="dk1"/>
-    </dgm:fillClrLst>
-    <dgm:linClrLst meth="repeat">
-      <a:schemeClr val="dk1">
-        <a:shade val="60000"/>
-      </a:schemeClr>
-    </dgm:linClrLst>
-    <dgm:effectClrLst/>
-    <dgm:txLinClrLst/>
-    <dgm:txFillClrLst meth="repeat">
-      <a:schemeClr val="tx1"/>
-    </dgm:txFillClrLst>
-    <dgm:txEffectClrLst/>
-  </dgm:styleLbl>
-  <dgm:styleLbl name="parChTrans1D2">
-    <dgm:fillClrLst meth="repeat">
-      <a:schemeClr val="dk1"/>
-    </dgm:fillClrLst>
-    <dgm:linClrLst meth="repeat">
-      <a:schemeClr val="dk1">
-        <a:shade val="60000"/>
-      </a:schemeClr>
-    </dgm:linClrLst>
-    <dgm:effectClrLst/>
-    <dgm:txLinClrLst/>
-    <dgm:txFillClrLst meth="repeat">
-      <a:schemeClr val="tx1"/>
-    </dgm:txFillClrLst>
-    <dgm:txEffectClrLst/>
-  </dgm:styleLbl>
-  <dgm:styleLbl name="parChTrans1D3">
-    <dgm:fillClrLst meth="repeat">
-      <a:schemeClr val="dk1"/>
-    </dgm:fillClrLst>
-    <dgm:linClrLst meth="repeat">
-      <a:schemeClr val="dk1">
-        <a:shade val="80000"/>
-      </a:schemeClr>
-    </dgm:linClrLst>
-    <dgm:effectClrLst/>
-    <dgm:txLinClrLst/>
-    <dgm:txFillClrLst meth="repeat">
-      <a:schemeClr val="tx1"/>
-    </dgm:txFillClrLst>
-    <dgm:txEffectClrLst/>
-  </dgm:styleLbl>
-  <dgm:styleLbl name="parChTrans1D4">
-    <dgm:fillClrLst meth="repeat">
-      <a:schemeClr val="dk1"/>
-    </dgm:fillClrLst>
-    <dgm:linClrLst meth="repeat">
-      <a:schemeClr val="dk1">
-        <a:shade val="80000"/>
-      </a:schemeClr>
-    </dgm:linClrLst>
-    <dgm:effectClrLst/>
-    <dgm:txLinClrLst/>
-    <dgm:txFillClrLst meth="repeat">
-      <a:schemeClr val="tx1"/>
-    </dgm:txFillClrLst>
-    <dgm:txEffectClrLst/>
-  </dgm:styleLbl>
-  <dgm:styleLbl name="fgAcc1">
-    <dgm:fillClrLst meth="repeat">
-      <a:schemeClr val="dk1">
-        <a:alpha val="90000"/>
-        <a:tint val="40000"/>
-      </a:schemeClr>
-    </dgm:fillClrLst>
-    <dgm:linClrLst meth="repeat">
-      <a:schemeClr val="dk1"/>
-    </dgm:linClrLst>
-    <dgm:effectClrLst/>
-    <dgm:txLinClrLst/>
-    <dgm:txFillClrLst meth="repeat">
-      <a:schemeClr val="dk1"/>
-    </dgm:txFillClrLst>
-    <dgm:txEffectClrLst/>
-  </dgm:styleLbl>
-  <dgm:styleLbl name="conFgAcc1">
-    <dgm:fillClrLst meth="repeat">
-      <a:schemeClr val="dk1">
-        <a:alpha val="90000"/>
-        <a:tint val="40000"/>
-      </a:schemeClr>
-    </dgm:fillClrLst>
-    <dgm:linClrLst meth="repeat">
-      <a:schemeClr val="dk1"/>
-    </dgm:linClrLst>
-    <dgm:effectClrLst/>
-    <dgm:txLinClrLst/>
-    <dgm:txFillClrLst meth="repeat">
-      <a:schemeClr val="dk1"/>
-    </dgm:txFillClrLst>
-    <dgm:txEffectClrLst/>
-  </dgm:styleLbl>
-  <dgm:styleLbl name="alignAcc1">
-    <dgm:fillClrLst meth="repeat">
-      <a:schemeClr val="dk1">
-        <a:alpha val="90000"/>
-        <a:tint val="40000"/>
-      </a:schemeClr>
-    </dgm:fillClrLst>
-    <dgm:linClrLst meth="repeat">
-      <a:schemeClr val="dk1"/>
-    </dgm:linClrLst>
-    <dgm:effectClrLst/>
-    <dgm:txLinClrLst/>
-    <dgm:txFillClrLst meth="repeat">
-      <a:schemeClr val="dk1"/>
-    </dgm:txFillClrLst>
-    <dgm:txEffectClrLst/>
-  </dgm:styleLbl>
-  <dgm:styleLbl name="trAlignAcc1">
-    <dgm:fillClrLst meth="repeat">
-      <a:schemeClr val="dk1">
-        <a:alpha val="40000"/>
-        <a:tint val="40000"/>
-      </a:schemeClr>
-    </dgm:fillClrLst>
-    <dgm:linClrLst meth="repeat">
-      <a:schemeClr val="dk1"/>
-    </dgm:linClrLst>
-    <dgm:effectClrLst/>
-    <dgm:txLinClrLst/>
-    <dgm:txFillClrLst meth="repeat">
-      <a:schemeClr val="dk1"/>
-    </dgm:txFillClrLst>
-    <dgm:txEffectClrLst/>
-  </dgm:styleLbl>
-  <dgm:styleLbl name="bgAcc1">
-    <dgm:fillClrLst meth="repeat">
-      <a:schemeClr val="dk1">
-        <a:alpha val="90000"/>
-        <a:tint val="40000"/>
-      </a:schemeClr>
-    </dgm:fillClrLst>
-    <dgm:linClrLst meth="repeat">
-      <a:schemeClr val="dk1"/>
-    </dgm:linClrLst>
-    <dgm:effectClrLst/>
-    <dgm:txLinClrLst/>
-    <dgm:txFillClrLst meth="repeat">
-      <a:schemeClr val="dk1"/>
-    </dgm:txFillClrLst>
-    <dgm:txEffectClrLst/>
-  </dgm:styleLbl>
-  <dgm:styleLbl name="solidFgAcc1">
-    <dgm:fillClrLst meth="repeat">
-      <a:schemeClr val="lt1"/>
-    </dgm:fillClrLst>
-    <dgm:linClrLst meth="repeat">
-      <a:schemeClr val="dk1"/>
-    </dgm:linClrLst>
-    <dgm:effectClrLst/>
-    <dgm:txLinClrLst/>
-    <dgm:txFillClrLst meth="repeat">
-      <a:schemeClr val="dk1"/>
-    </dgm:txFillClrLst>
-    <dgm:txEffectClrLst/>
-  </dgm:styleLbl>
-  <dgm:styleLbl name="solidAlignAcc1">
-    <dgm:fillClrLst meth="repeat">
-      <a:schemeClr val="lt1"/>
-    </dgm:fillClrLst>
-    <dgm:linClrLst meth="repeat">
-      <a:schemeClr val="dk1"/>
-    </dgm:linClrLst>
-    <dgm:effectClrLst/>
-    <dgm:txLinClrLst/>
-    <dgm:txFillClrLst meth="repeat">
-      <a:schemeClr val="dk1"/>
-    </dgm:txFillClrLst>
-    <dgm:txEffectClrLst/>
-  </dgm:styleLbl>
-  <dgm:styleLbl name="solidBgAcc1">
-    <dgm:fillClrLst meth="repeat">
-      <a:schemeClr val="lt1"/>
-    </dgm:fillClrLst>
-    <dgm:linClrLst meth="repeat">
-      <a:schemeClr val="dk1"/>
-    </dgm:linClrLst>
-    <dgm:effectClrLst/>
-    <dgm:txLinClrLst/>
-    <dgm:txFillClrLst meth="repeat">
-      <a:schemeClr val="dk1"/>
-    </dgm:txFillClrLst>
-    <dgm:txEffectClrLst/>
-  </dgm:styleLbl>
-  <dgm:styleLbl name="fgAccFollowNode1">
-    <dgm:fillClrLst meth="repeat">
-      <a:schemeClr val="lt1">
-        <a:alpha val="90000"/>
-        <a:tint val="40000"/>
-      </a:schemeClr>
-    </dgm:fillClrLst>
-    <dgm:linClrLst meth="repeat">
-      <a:schemeClr val="dk1">
-        <a:alpha val="90000"/>
-      </a:schemeClr>
-    </dgm:linClrLst>
-    <dgm:effectClrLst/>
-    <dgm:txLinClrLst/>
-    <dgm:txFillClrLst meth="repeat">
-      <a:schemeClr val="dk1"/>
-    </dgm:txFillClrLst>
-    <dgm:txEffectClrLst/>
-  </dgm:styleLbl>
-  <dgm:styleLbl name="alignAccFollowNode1">
-    <dgm:fillClrLst meth="repeat">
-      <a:schemeClr val="lt1">
-        <a:alpha val="90000"/>
-        <a:tint val="40000"/>
-      </a:schemeClr>
-    </dgm:fillClrLst>
-    <dgm:linClrLst meth="repeat">
-      <a:schemeClr val="dk1">
-        <a:alpha val="90000"/>
-      </a:schemeClr>
-    </dgm:linClrLst>
-    <dgm:effectClrLst/>
-    <dgm:txLinClrLst/>
-    <dgm:txFillClrLst meth="repeat">
-      <a:schemeClr val="dk1"/>
-    </dgm:txFillClrLst>
-    <dgm:txEffectClrLst/>
-  </dgm:styleLbl>
-  <dgm:styleLbl name="bgAccFollowNode1">
-    <dgm:fillClrLst meth="repeat">
-      <a:schemeClr val="lt1">
-        <a:alpha val="90000"/>
-        <a:tint val="40000"/>
-      </a:schemeClr>
-    </dgm:fillClrLst>
-    <dgm:linClrLst meth="repeat">
-      <a:schemeClr val="dk1">
-        <a:alpha val="90000"/>
-      </a:schemeClr>
-    </dgm:linClrLst>
-    <dgm:effectClrLst/>
-    <dgm:txLinClrLst/>
-    <dgm:txFillClrLst meth="repeat">
-      <a:schemeClr val="dk1"/>
-    </dgm:txFillClrLst>
-    <dgm:txEffectClrLst/>
-  </dgm:styleLbl>
-  <dgm:styleLbl name="fgAcc0">
-    <dgm:fillClrLst meth="repeat">
-      <a:schemeClr val="dk1">
-        <a:alpha val="90000"/>
-        <a:tint val="40000"/>
-      </a:schemeClr>
-    </dgm:fillClrLst>
-    <dgm:linClrLst meth="repeat">
-      <a:schemeClr val="dk1"/>
-    </dgm:linClrLst>
-    <dgm:effectClrLst/>
-    <dgm:txLinClrLst/>
-    <dgm:txFillClrLst meth="repeat">
-      <a:schemeClr val="dk1"/>
-    </dgm:txFillClrLst>
-    <dgm:txEffectClrLst/>
-  </dgm:styleLbl>
-  <dgm:styleLbl name="fgAcc2">
-    <dgm:fillClrLst meth="repeat">
-      <a:schemeClr val="dk1">
-        <a:alpha val="90000"/>
-        <a:tint val="40000"/>
-      </a:schemeClr>
-    </dgm:fillClrLst>
-    <dgm:linClrLst meth="repeat">
-      <a:schemeClr val="dk1"/>
-    </dgm:linClrLst>
-    <dgm:effectClrLst/>
-    <dgm:txLinClrLst/>
-    <dgm:txFillClrLst meth="repeat">
-      <a:schemeClr val="dk1"/>
-    </dgm:txFillClrLst>
-    <dgm:txEffectClrLst/>
-  </dgm:styleLbl>
-  <dgm:styleLbl name="fgAcc3">
-    <dgm:fillClrLst meth="repeat">
-      <a:schemeClr val="dk1">
-        <a:alpha val="90000"/>
-        <a:tint val="40000"/>
-      </a:schemeClr>
-    </dgm:fillClrLst>
-    <dgm:linClrLst meth="repeat">
-      <a:schemeClr val="dk1"/>
-    </dgm:linClrLst>
-    <dgm:effectClrLst/>
-    <dgm:txLinClrLst/>
-    <dgm:txFillClrLst meth="repeat">
-      <a:schemeClr val="dk1"/>
-    </dgm:txFillClrLst>
-    <dgm:txEffectClrLst/>
-  </dgm:styleLbl>
-  <dgm:styleLbl name="fgAcc4">
-    <dgm:fillClrLst meth="repeat">
-      <a:schemeClr val="dk1">
-        <a:alpha val="90000"/>
-        <a:tint val="40000"/>
-      </a:schemeClr>
-    </dgm:fillClrLst>
-    <dgm:linClrLst meth="repeat">
-      <a:schemeClr val="dk1"/>
-    </dgm:linClrLst>
-    <dgm:effectClrLst/>
-    <dgm:txLinClrLst/>
-    <dgm:txFillClrLst meth="repeat">
-      <a:schemeClr val="dk1"/>
-    </dgm:txFillClrLst>
-    <dgm:txEffectClrLst/>
-  </dgm:styleLbl>
-  <dgm:styleLbl name="bgShp">
-    <dgm:fillClrLst meth="repeat">
-      <a:schemeClr val="dk1">
-        <a:tint val="40000"/>
-      </a:schemeClr>
-    </dgm:fillClrLst>
-    <dgm:linClrLst meth="repeat">
-      <a:schemeClr val="dk1"/>
-    </dgm:linClrLst>
-    <dgm:effectClrLst/>
-    <dgm:txLinClrLst/>
-    <dgm:txFillClrLst meth="repeat">
-      <a:schemeClr val="dk1"/>
-    </dgm:txFillClrLst>
-    <dgm:txEffectClrLst/>
-  </dgm:styleLbl>
-  <dgm:styleLbl name="dkBgShp">
-    <dgm:fillClrLst meth="repeat">
-      <a:schemeClr val="dk1">
-        <a:shade val="80000"/>
-      </a:schemeClr>
-    </dgm:fillClrLst>
-    <dgm:linClrLst meth="repeat">
-      <a:schemeClr val="dk1"/>
-    </dgm:linClrLst>
-    <dgm:effectClrLst/>
-    <dgm:txLinClrLst/>
-    <dgm:txFillClrLst meth="repeat">
-      <a:schemeClr val="lt1"/>
-    </dgm:txFillClrLst>
-    <dgm:txEffectClrLst/>
-  </dgm:styleLbl>
-  <dgm:styleLbl name="trBgShp">
-    <dgm:fillClrLst meth="repeat">
-      <a:schemeClr val="dk1">
-        <a:tint val="50000"/>
-        <a:alpha val="40000"/>
-      </a:schemeClr>
-    </dgm:fillClrLst>
-    <dgm:linClrLst meth="repeat">
-      <a:schemeClr val="dk1"/>
-    </dgm:linClrLst>
-    <dgm:effectClrLst/>
-    <dgm:txLinClrLst/>
-    <dgm:txFillClrLst meth="repeat">
-      <a:schemeClr val="lt1"/>
-    </dgm:txFillClrLst>
-    <dgm:txEffectClrLst/>
-  </dgm:styleLbl>
-  <dgm:styleLbl name="fgShp">
-    <dgm:fillClrLst meth="repeat">
-      <a:schemeClr val="dk1">
-        <a:tint val="60000"/>
-      </a:schemeClr>
-    </dgm:fillClrLst>
-    <dgm:linClrLst meth="repeat">
-      <a:schemeClr val="lt1"/>
-    </dgm:linClrLst>
-    <dgm:effectClrLst/>
-    <dgm:txLinClrLst/>
-    <dgm:txFillClrLst meth="repeat">
-      <a:schemeClr val="dk1"/>
-    </dgm:txFillClrLst>
-    <dgm:txEffectClrLst/>
-  </dgm:styleLbl>
-  <dgm:styleLbl name="revTx">
-    <dgm:fillClrLst meth="repeat">
-      <a:schemeClr val="lt1">
-        <a:alpha val="0"/>
-      </a:schemeClr>
-    </dgm:fillClrLst>
-    <dgm:linClrLst meth="repeat">
-      <a:schemeClr val="dk1">
-        <a:alpha val="0"/>
-      </a:schemeClr>
-    </dgm:linClrLst>
-    <dgm:effectClrLst/>
-    <dgm:txLinClrLst/>
-    <dgm:txFillClrLst meth="repeat">
-      <a:schemeClr val="tx1"/>
-    </dgm:txFillClrLst>
-    <dgm:txEffectClrLst/>
-  </dgm:styleLbl>
-</dgm:colorsDef>
-</file>
-
 <file path=ppt/diagrams/data1.xml><?xml version="1.0" encoding="utf-8"?>
 <dgm:dataModel xmlns:dgm="http://schemas.openxmlformats.org/drawingml/2006/diagram" xmlns:a="http://schemas.openxmlformats.org/drawingml/2006/main">
   <dgm:ptLst>
@@ -2475,17 +1668,17 @@
       </dgm:t>
     </dgm:pt>
     <dgm:pt modelId="{B1D129A2-009D-4DFA-9B49-CDBFF590CDE9}">
-      <dgm:prSet phldrT="[Text]"/>
+      <dgm:prSet phldrT="[Text]" custT="1"/>
       <dgm:spPr/>
       <dgm:t>
         <a:bodyPr/>
         <a:lstStyle/>
         <a:p>
           <a:r>
-            <a:rPr lang="en-US" dirty="0"/>
+            <a:rPr lang="en-US" sz="2000" dirty="0"/>
             <a:t>Mode of communication used by customer (Channel)</a:t>
           </a:r>
-          <a:endParaRPr lang="en-IN" dirty="0"/>
+          <a:endParaRPr lang="en-IN" sz="2000" dirty="0"/>
         </a:p>
       </dgm:t>
     </dgm:pt>
@@ -2512,17 +1705,17 @@
       </dgm:t>
     </dgm:pt>
     <dgm:pt modelId="{F40E16E8-D95B-402F-A237-2FFF0F46F54D}">
-      <dgm:prSet phldrT="[Text]"/>
+      <dgm:prSet phldrT="[Text]" custT="1"/>
       <dgm:spPr/>
       <dgm:t>
         <a:bodyPr/>
         <a:lstStyle/>
         <a:p>
           <a:r>
-            <a:rPr lang="en-US" dirty="0"/>
+            <a:rPr lang="en-US" sz="2000" dirty="0"/>
             <a:t>Reason behind the complaint</a:t>
           </a:r>
-          <a:endParaRPr lang="en-IN" dirty="0"/>
+          <a:endParaRPr lang="en-IN" sz="2000" dirty="0"/>
         </a:p>
       </dgm:t>
     </dgm:pt>
@@ -2549,17 +1742,17 @@
       </dgm:t>
     </dgm:pt>
     <dgm:pt modelId="{91D94657-92AE-44E1-A5CD-7DEFC516DBD1}">
-      <dgm:prSet phldrT="[Text]"/>
+      <dgm:prSet phldrT="[Text]" custT="1"/>
       <dgm:spPr/>
       <dgm:t>
         <a:bodyPr/>
         <a:lstStyle/>
         <a:p>
           <a:r>
-            <a:rPr lang="en-US" dirty="0"/>
+            <a:rPr lang="en-US" sz="2000" dirty="0"/>
             <a:t>Response time</a:t>
           </a:r>
-          <a:endParaRPr lang="en-IN" dirty="0"/>
+          <a:endParaRPr lang="en-IN" sz="2000" dirty="0"/>
         </a:p>
       </dgm:t>
     </dgm:pt>
@@ -2586,17 +1779,17 @@
       </dgm:t>
     </dgm:pt>
     <dgm:pt modelId="{F96CEDA8-FA2A-4CF6-9256-BE60D291F147}">
-      <dgm:prSet phldrT="[Text]"/>
+      <dgm:prSet phldrT="[Text]" custT="1"/>
       <dgm:spPr/>
       <dgm:t>
         <a:bodyPr/>
         <a:lstStyle/>
         <a:p>
           <a:r>
-            <a:rPr lang="en-US" dirty="0"/>
-            <a:t>Call Center</a:t>
+            <a:rPr lang="en-US" sz="2000" dirty="0"/>
+            <a:t>Call center location</a:t>
           </a:r>
-          <a:endParaRPr lang="en-IN" dirty="0"/>
+          <a:endParaRPr lang="en-IN" sz="2000" dirty="0"/>
         </a:p>
       </dgm:t>
     </dgm:pt>
@@ -2623,17 +1816,17 @@
       </dgm:t>
     </dgm:pt>
     <dgm:pt modelId="{C347FBBA-1152-47C2-9798-2961503D2383}">
-      <dgm:prSet phldrT="[Text]"/>
+      <dgm:prSet phldrT="[Text]" custT="1"/>
       <dgm:spPr/>
       <dgm:t>
         <a:bodyPr/>
         <a:lstStyle/>
         <a:p>
           <a:r>
-            <a:rPr lang="en-US" dirty="0"/>
+            <a:rPr lang="en-US" sz="2000" dirty="0"/>
             <a:t>City, State, Month, Year</a:t>
           </a:r>
-          <a:endParaRPr lang="en-IN" dirty="0"/>
+          <a:endParaRPr lang="en-IN" sz="2000" dirty="0"/>
         </a:p>
       </dgm:t>
     </dgm:pt>
@@ -2669,7 +1862,7 @@
       <dgm:spPr/>
     </dgm:pt>
     <dgm:pt modelId="{50DA7134-651E-4E05-8DDC-6A997E66E972}" type="pres">
-      <dgm:prSet presAssocID="{7ACC3839-097A-462E-B449-8DB338098F2A}" presName="parentText" presStyleLbl="node1" presStyleIdx="0" presStyleCnt="1">
+      <dgm:prSet presAssocID="{7ACC3839-097A-462E-B449-8DB338098F2A}" presName="parentText" presStyleLbl="node1" presStyleIdx="0" presStyleCnt="1" custScaleY="49115">
         <dgm:presLayoutVars>
           <dgm:chMax val="0"/>
           <dgm:bulletEnabled val="1"/>
@@ -2729,15 +1922,37 @@
     </dgm:pt>
     <dgm:pt modelId="{7ACC3839-097A-462E-B449-8DB338098F2A}">
       <dgm:prSet phldrT="[Text]" custT="1"/>
-      <dgm:spPr/>
+      <dgm:spPr>
+        <a:solidFill>
+          <a:srgbClr val="4472C4">
+            <a:hueOff val="0"/>
+            <a:satOff val="0"/>
+            <a:lumOff val="0"/>
+            <a:alphaOff val="0"/>
+          </a:srgbClr>
+        </a:solidFill>
+        <a:ln w="12700" cap="flat" cmpd="sng" algn="ctr">
+          <a:solidFill>
+            <a:prstClr val="white">
+              <a:hueOff val="0"/>
+              <a:satOff val="0"/>
+              <a:lumOff val="0"/>
+              <a:alphaOff val="0"/>
+            </a:prstClr>
+          </a:solidFill>
+          <a:prstDash val="solid"/>
+          <a:miter lim="800000"/>
+        </a:ln>
+        <a:effectLst/>
+      </dgm:spPr>
       <dgm:t>
-        <a:bodyPr/>
+        <a:bodyPr spcFirstLastPara="0" vert="horz" wrap="square" lIns="76200" tIns="76200" rIns="76200" bIns="76200" numCol="1" spcCol="1270" anchor="ctr" anchorCtr="0"/>
         <a:lstStyle/>
         <a:p>
           <a:r>
             <a:rPr lang="en-US" sz="2000" b="1" kern="1200" dirty="0">
               <a:solidFill>
-                <a:schemeClr val="bg1"/>
+                <a:prstClr val="white"/>
               </a:solidFill>
               <a:latin typeface="+mn-lt"/>
               <a:ea typeface="+mn-ea"/>
@@ -2806,7 +2021,7 @@
         <a:lstStyle/>
         <a:p>
           <a:r>
-            <a:rPr lang="en-US" sz="2800" kern="1200" dirty="0">
+            <a:rPr lang="en-US" sz="2000" kern="1200" dirty="0">
               <a:solidFill>
                 <a:prstClr val="black">
                   <a:hueOff val="0"/>
@@ -2822,13 +2037,13 @@
             <a:t>Customer</a:t>
           </a:r>
           <a:r>
-            <a:rPr lang="en-US" sz="2800" kern="1200" dirty="0">
+            <a:rPr lang="en-US" sz="2000" kern="1200" dirty="0">
               <a:latin typeface="+mn-lt"/>
             </a:rPr>
             <a:t> </a:t>
           </a:r>
           <a:r>
-            <a:rPr lang="en-US" sz="2800" kern="1200" dirty="0">
+            <a:rPr lang="en-US" sz="2000" kern="1200" dirty="0">
               <a:solidFill>
                 <a:prstClr val="black">
                   <a:hueOff val="0"/>
@@ -2843,7 +2058,7 @@
             </a:rPr>
             <a:t>Sentiment</a:t>
           </a:r>
-          <a:endParaRPr lang="en-IN" sz="2800" kern="1200" dirty="0">
+          <a:endParaRPr lang="en-IN" sz="2000" kern="1200" dirty="0">
             <a:solidFill>
               <a:prstClr val="black">
                 <a:hueOff val="0"/>
@@ -2889,7 +2104,7 @@
         <a:lstStyle/>
         <a:p>
           <a:r>
-            <a:rPr lang="en-US" sz="2800" kern="1200" dirty="0">
+            <a:rPr lang="en-US" sz="2000" kern="1200" dirty="0">
               <a:solidFill>
                 <a:prstClr val="black">
                   <a:hueOff val="0"/>
@@ -2905,13 +2120,13 @@
             <a:t>CSAT</a:t>
           </a:r>
           <a:r>
-            <a:rPr lang="en-US" sz="2800" kern="1200" dirty="0">
+            <a:rPr lang="en-US" sz="2000" kern="1200" dirty="0">
               <a:latin typeface="+mn-lt"/>
             </a:rPr>
-            <a:t> </a:t>
+            <a:t> s</a:t>
           </a:r>
           <a:r>
-            <a:rPr lang="en-US" sz="2800" kern="1200" dirty="0">
+            <a:rPr lang="en-US" sz="2000" kern="1200" dirty="0">
               <a:solidFill>
                 <a:prstClr val="black">
                   <a:hueOff val="0"/>
@@ -2924,9 +2139,9 @@
               <a:ea typeface="+mn-ea"/>
               <a:cs typeface="+mn-cs"/>
             </a:rPr>
-            <a:t>Score</a:t>
+            <a:t>core</a:t>
           </a:r>
-          <a:endParaRPr lang="en-IN" sz="2800" kern="1200" dirty="0">
+          <a:endParaRPr lang="en-IN" sz="2000" kern="1200" dirty="0">
             <a:solidFill>
               <a:prstClr val="black">
                 <a:hueOff val="0"/>
@@ -2964,6 +2179,67 @@
         </a:p>
       </dgm:t>
     </dgm:pt>
+    <dgm:pt modelId="{1D411E83-1665-4117-8C68-7A017A97C2DC}">
+      <dgm:prSet phldrT="[Text]" custT="1"/>
+      <dgm:spPr/>
+      <dgm:t>
+        <a:bodyPr/>
+        <a:lstStyle/>
+        <a:p>
+          <a:r>
+            <a:rPr lang="en-US" sz="2000" kern="1200" dirty="0">
+              <a:solidFill>
+                <a:prstClr val="black">
+                  <a:hueOff val="0"/>
+                  <a:satOff val="0"/>
+                  <a:lumOff val="0"/>
+                  <a:alphaOff val="0"/>
+                </a:prstClr>
+              </a:solidFill>
+              <a:latin typeface="+mn-lt"/>
+              <a:ea typeface="+mn-ea"/>
+              <a:cs typeface="+mn-cs"/>
+            </a:rPr>
+            <a:t>Call duration in minutes</a:t>
+          </a:r>
+          <a:endParaRPr lang="en-IN" sz="2000" kern="1200" dirty="0">
+            <a:solidFill>
+              <a:prstClr val="black">
+                <a:hueOff val="0"/>
+                <a:satOff val="0"/>
+                <a:lumOff val="0"/>
+                <a:alphaOff val="0"/>
+              </a:prstClr>
+            </a:solidFill>
+            <a:latin typeface="+mn-lt"/>
+            <a:ea typeface="+mn-ea"/>
+            <a:cs typeface="+mn-cs"/>
+          </a:endParaRPr>
+        </a:p>
+      </dgm:t>
+    </dgm:pt>
+    <dgm:pt modelId="{1275B215-CC0A-4B81-AE58-7A4796FC0748}" type="parTrans" cxnId="{9DA793F3-89AD-46DE-8F55-B39578B305BE}">
+      <dgm:prSet/>
+      <dgm:spPr/>
+      <dgm:t>
+        <a:bodyPr/>
+        <a:lstStyle/>
+        <a:p>
+          <a:endParaRPr lang="en-IN"/>
+        </a:p>
+      </dgm:t>
+    </dgm:pt>
+    <dgm:pt modelId="{E9E5DF5B-F52E-48C0-8B85-3EB500244ADE}" type="sibTrans" cxnId="{9DA793F3-89AD-46DE-8F55-B39578B305BE}">
+      <dgm:prSet/>
+      <dgm:spPr/>
+      <dgm:t>
+        <a:bodyPr/>
+        <a:lstStyle/>
+        <a:p>
+          <a:endParaRPr lang="en-IN"/>
+        </a:p>
+      </dgm:t>
+    </dgm:pt>
     <dgm:pt modelId="{A55FD852-BB04-4CEC-9A95-3DD36E8B97AB}" type="pres">
       <dgm:prSet presAssocID="{C2131AC4-D2C0-4C89-A670-DE6C587F8E18}" presName="linear" presStyleCnt="0">
         <dgm:presLayoutVars>
@@ -2974,13 +2250,21 @@
       <dgm:spPr/>
     </dgm:pt>
     <dgm:pt modelId="{7424E30E-A498-4EFE-A7A2-A84E81C50D5E}" type="pres">
-      <dgm:prSet presAssocID="{7ACC3839-097A-462E-B449-8DB338098F2A}" presName="parentText" presStyleLbl="node1" presStyleIdx="0" presStyleCnt="1" custScaleY="57421">
+      <dgm:prSet presAssocID="{7ACC3839-097A-462E-B449-8DB338098F2A}" presName="parentText" presStyleLbl="node1" presStyleIdx="0" presStyleCnt="1" custScaleY="48752" custLinFactNeighborY="-7332">
         <dgm:presLayoutVars>
           <dgm:chMax val="0"/>
           <dgm:bulletEnabled val="1"/>
         </dgm:presLayoutVars>
       </dgm:prSet>
-      <dgm:spPr/>
+      <dgm:spPr>
+        <a:xfrm>
+          <a:off x="0" y="349407"/>
+          <a:ext cx="5443455" cy="698698"/>
+        </a:xfrm>
+        <a:prstGeom prst="roundRect">
+          <a:avLst/>
+        </a:prstGeom>
+      </dgm:spPr>
     </dgm:pt>
     <dgm:pt modelId="{5B85E448-6124-49BA-98A7-85BB8788764E}" type="pres">
       <dgm:prSet presAssocID="{7ACC3839-097A-462E-B449-8DB338098F2A}" presName="childText" presStyleLbl="revTx" presStyleIdx="0" presStyleCnt="1">
@@ -2997,7 +2281,9 @@
     <dgm:cxn modelId="{0F592E70-D939-4E81-AB98-FAA161C825D4}" type="presOf" srcId="{7ACC3839-097A-462E-B449-8DB338098F2A}" destId="{7424E30E-A498-4EFE-A7A2-A84E81C50D5E}" srcOrd="0" destOrd="0" presId="urn:microsoft.com/office/officeart/2005/8/layout/vList2"/>
     <dgm:cxn modelId="{1920C49A-2627-42F2-9399-0C80644B2E75}" type="presOf" srcId="{C2131AC4-D2C0-4C89-A670-DE6C587F8E18}" destId="{A55FD852-BB04-4CEC-9A95-3DD36E8B97AB}" srcOrd="0" destOrd="0" presId="urn:microsoft.com/office/officeart/2005/8/layout/vList2"/>
     <dgm:cxn modelId="{1A6ADCB7-6DBE-4619-BD99-0DC5FF0EB0A0}" srcId="{7ACC3839-097A-462E-B449-8DB338098F2A}" destId="{B1D129A2-009D-4DFA-9B49-CDBFF590CDE9}" srcOrd="0" destOrd="0" parTransId="{462066A8-0BA9-475F-A50C-A5046A72747D}" sibTransId="{DFB31CF3-BE50-4BD9-A9F0-A147E7A62FA1}"/>
+    <dgm:cxn modelId="{9EADC9BF-B516-4491-80CC-EC163B6F4C70}" type="presOf" srcId="{1D411E83-1665-4117-8C68-7A017A97C2DC}" destId="{5B85E448-6124-49BA-98A7-85BB8788764E}" srcOrd="0" destOrd="2" presId="urn:microsoft.com/office/officeart/2005/8/layout/vList2"/>
     <dgm:cxn modelId="{B14EEDD7-845E-428F-9A3F-A9DAB7308C72}" srcId="{7ACC3839-097A-462E-B449-8DB338098F2A}" destId="{F40E16E8-D95B-402F-A237-2FFF0F46F54D}" srcOrd="1" destOrd="0" parTransId="{C7395419-CEE5-44BF-9C93-DAC81C9A9E45}" sibTransId="{4AD5CA34-750F-43DF-B4F4-80F08A4A369F}"/>
+    <dgm:cxn modelId="{9DA793F3-89AD-46DE-8F55-B39578B305BE}" srcId="{7ACC3839-097A-462E-B449-8DB338098F2A}" destId="{1D411E83-1665-4117-8C68-7A017A97C2DC}" srcOrd="2" destOrd="0" parTransId="{1275B215-CC0A-4B81-AE58-7A4796FC0748}" sibTransId="{E9E5DF5B-F52E-48C0-8B85-3EB500244ADE}"/>
     <dgm:cxn modelId="{10868FF4-EC3F-4E1D-916D-6E3E4F99ED25}" type="presOf" srcId="{F40E16E8-D95B-402F-A237-2FFF0F46F54D}" destId="{5B85E448-6124-49BA-98A7-85BB8788764E}" srcOrd="0" destOrd="1" presId="urn:microsoft.com/office/officeart/2005/8/layout/vList2"/>
     <dgm:cxn modelId="{0EEF2C06-58CF-436B-94EC-B26FAB9D5510}" type="presParOf" srcId="{A55FD852-BB04-4CEC-9A95-3DD36E8B97AB}" destId="{7424E30E-A498-4EFE-A7A2-A84E81C50D5E}" srcOrd="0" destOrd="0" presId="urn:microsoft.com/office/officeart/2005/8/layout/vList2"/>
     <dgm:cxn modelId="{5C10E0DB-F622-4048-B481-11D0BAB1B4A6}" type="presParOf" srcId="{A55FD852-BB04-4CEC-9A95-3DD36E8B97AB}" destId="{5B85E448-6124-49BA-98A7-85BB8788764E}" srcOrd="1" destOrd="0" presId="urn:microsoft.com/office/officeart/2005/8/layout/vList2"/>
@@ -3007,254 +2293,6 @@
   <dgm:extLst>
     <a:ext uri="http://schemas.microsoft.com/office/drawing/2008/diagram">
       <dsp:dataModelExt xmlns:dsp="http://schemas.microsoft.com/office/drawing/2008/diagram" relId="rId11" minVer="http://schemas.openxmlformats.org/drawingml/2006/diagram"/>
-    </a:ext>
-  </dgm:extLst>
-</dgm:dataModel>
-</file>
-
-<file path=ppt/diagrams/data3.xml><?xml version="1.0" encoding="utf-8"?>
-<dgm:dataModel xmlns:dgm="http://schemas.openxmlformats.org/drawingml/2006/diagram" xmlns:a="http://schemas.openxmlformats.org/drawingml/2006/main">
-  <dgm:ptLst>
-    <dgm:pt modelId="{61C0CFAD-48D9-40F5-AEF4-0053B4BE1197}" type="doc">
-      <dgm:prSet loTypeId="urn:microsoft.com/office/officeart/2005/8/layout/vList2" loCatId="list" qsTypeId="urn:microsoft.com/office/officeart/2005/8/quickstyle/simple1" qsCatId="simple" csTypeId="urn:microsoft.com/office/officeart/2005/8/colors/accent0_1" csCatId="mainScheme" phldr="1"/>
-      <dgm:spPr/>
-      <dgm:t>
-        <a:bodyPr/>
-        <a:lstStyle/>
-        <a:p>
-          <a:endParaRPr lang="en-IN"/>
-        </a:p>
-      </dgm:t>
-    </dgm:pt>
-    <dgm:pt modelId="{17C1F347-1086-4F4F-B111-7B89256F0DC9}">
-      <dgm:prSet phldrT="[Text]"/>
-      <dgm:spPr/>
-      <dgm:t>
-        <a:bodyPr/>
-        <a:lstStyle/>
-        <a:p>
-          <a:r>
-            <a:rPr lang="en-US" dirty="0"/>
-            <a:t>Bar Chart</a:t>
-          </a:r>
-          <a:endParaRPr lang="en-IN" dirty="0"/>
-        </a:p>
-      </dgm:t>
-    </dgm:pt>
-    <dgm:pt modelId="{55E00491-BF6D-4CA3-9E6A-F2E2F05ADE0A}" type="parTrans" cxnId="{57B01171-641D-4CB0-8D1E-78E70F0856AB}">
-      <dgm:prSet/>
-      <dgm:spPr/>
-      <dgm:t>
-        <a:bodyPr/>
-        <a:lstStyle/>
-        <a:p>
-          <a:endParaRPr lang="en-IN"/>
-        </a:p>
-      </dgm:t>
-    </dgm:pt>
-    <dgm:pt modelId="{D9863CE0-2482-435E-ABE7-1A09D4418F27}" type="sibTrans" cxnId="{57B01171-641D-4CB0-8D1E-78E70F0856AB}">
-      <dgm:prSet/>
-      <dgm:spPr/>
-      <dgm:t>
-        <a:bodyPr/>
-        <a:lstStyle/>
-        <a:p>
-          <a:endParaRPr lang="en-IN"/>
-        </a:p>
-      </dgm:t>
-    </dgm:pt>
-    <dgm:pt modelId="{163FF5F2-0FBB-4599-8839-8ACCD3E60977}">
-      <dgm:prSet phldrT="[Text]"/>
-      <dgm:spPr/>
-      <dgm:t>
-        <a:bodyPr/>
-        <a:lstStyle/>
-        <a:p>
-          <a:r>
-            <a:rPr lang="en-US" dirty="0"/>
-            <a:t>Pie-Chart</a:t>
-          </a:r>
-          <a:endParaRPr lang="en-IN" dirty="0"/>
-        </a:p>
-      </dgm:t>
-    </dgm:pt>
-    <dgm:pt modelId="{ED0ACC58-4073-4E69-897B-839083E42D5B}" type="parTrans" cxnId="{01E572C5-308F-4796-BDD4-C924477D252A}">
-      <dgm:prSet/>
-      <dgm:spPr/>
-      <dgm:t>
-        <a:bodyPr/>
-        <a:lstStyle/>
-        <a:p>
-          <a:endParaRPr lang="en-IN"/>
-        </a:p>
-      </dgm:t>
-    </dgm:pt>
-    <dgm:pt modelId="{1BDD31A9-CE96-4F16-9144-2FEFB0C628E1}" type="sibTrans" cxnId="{01E572C5-308F-4796-BDD4-C924477D252A}">
-      <dgm:prSet/>
-      <dgm:spPr/>
-      <dgm:t>
-        <a:bodyPr/>
-        <a:lstStyle/>
-        <a:p>
-          <a:endParaRPr lang="en-IN"/>
-        </a:p>
-      </dgm:t>
-    </dgm:pt>
-    <dgm:pt modelId="{4F80EEAD-ACDA-478A-9E85-342312E779BE}">
-      <dgm:prSet phldrT="[Text]"/>
-      <dgm:spPr/>
-      <dgm:t>
-        <a:bodyPr/>
-        <a:lstStyle/>
-        <a:p>
-          <a:r>
-            <a:rPr lang="en-US" dirty="0"/>
-            <a:t>Table</a:t>
-          </a:r>
-          <a:endParaRPr lang="en-IN" dirty="0"/>
-        </a:p>
-      </dgm:t>
-    </dgm:pt>
-    <dgm:pt modelId="{774275DF-4A0E-47E7-A023-5F08B8A7285C}" type="parTrans" cxnId="{4B7744F2-A0D6-4267-B7F6-8D2A56052D90}">
-      <dgm:prSet/>
-      <dgm:spPr/>
-      <dgm:t>
-        <a:bodyPr/>
-        <a:lstStyle/>
-        <a:p>
-          <a:endParaRPr lang="en-IN"/>
-        </a:p>
-      </dgm:t>
-    </dgm:pt>
-    <dgm:pt modelId="{F211F56C-C79E-4030-88B1-100C6EC6DFFF}" type="sibTrans" cxnId="{4B7744F2-A0D6-4267-B7F6-8D2A56052D90}">
-      <dgm:prSet/>
-      <dgm:spPr/>
-      <dgm:t>
-        <a:bodyPr/>
-        <a:lstStyle/>
-        <a:p>
-          <a:endParaRPr lang="en-IN"/>
-        </a:p>
-      </dgm:t>
-    </dgm:pt>
-    <dgm:pt modelId="{C1DD7DCA-5641-4D24-A64B-A0289929AC87}">
-      <dgm:prSet phldrT="[Text]"/>
-      <dgm:spPr/>
-      <dgm:t>
-        <a:bodyPr/>
-        <a:lstStyle/>
-        <a:p>
-          <a:r>
-            <a:rPr lang="en-US" dirty="0"/>
-            <a:t>Map</a:t>
-          </a:r>
-          <a:endParaRPr lang="en-IN" dirty="0"/>
-        </a:p>
-      </dgm:t>
-    </dgm:pt>
-    <dgm:pt modelId="{8A463129-5A83-42CA-B820-8F40B09A4CC1}" type="parTrans" cxnId="{87166A2E-3742-4B2E-8513-0C12A191C4D4}">
-      <dgm:prSet/>
-      <dgm:spPr/>
-      <dgm:t>
-        <a:bodyPr/>
-        <a:lstStyle/>
-        <a:p>
-          <a:endParaRPr lang="en-IN"/>
-        </a:p>
-      </dgm:t>
-    </dgm:pt>
-    <dgm:pt modelId="{CD6B39DF-742F-454D-AD6A-A1AFC6515D05}" type="sibTrans" cxnId="{87166A2E-3742-4B2E-8513-0C12A191C4D4}">
-      <dgm:prSet/>
-      <dgm:spPr/>
-      <dgm:t>
-        <a:bodyPr/>
-        <a:lstStyle/>
-        <a:p>
-          <a:endParaRPr lang="en-IN"/>
-        </a:p>
-      </dgm:t>
-    </dgm:pt>
-    <dgm:pt modelId="{D7CBBD72-32D8-47AF-842E-C189231A2418}" type="pres">
-      <dgm:prSet presAssocID="{61C0CFAD-48D9-40F5-AEF4-0053B4BE1197}" presName="linear" presStyleCnt="0">
-        <dgm:presLayoutVars>
-          <dgm:animLvl val="lvl"/>
-          <dgm:resizeHandles val="exact"/>
-        </dgm:presLayoutVars>
-      </dgm:prSet>
-      <dgm:spPr/>
-    </dgm:pt>
-    <dgm:pt modelId="{66EC0385-BD03-490D-B225-319A7B6B5451}" type="pres">
-      <dgm:prSet presAssocID="{17C1F347-1086-4F4F-B111-7B89256F0DC9}" presName="parentText" presStyleLbl="node1" presStyleIdx="0" presStyleCnt="4">
-        <dgm:presLayoutVars>
-          <dgm:chMax val="0"/>
-          <dgm:bulletEnabled val="1"/>
-        </dgm:presLayoutVars>
-      </dgm:prSet>
-      <dgm:spPr/>
-    </dgm:pt>
-    <dgm:pt modelId="{F028DFC2-6A7D-4A44-9FAA-B878A4B09195}" type="pres">
-      <dgm:prSet presAssocID="{D9863CE0-2482-435E-ABE7-1A09D4418F27}" presName="spacer" presStyleCnt="0"/>
-      <dgm:spPr/>
-    </dgm:pt>
-    <dgm:pt modelId="{C46D24F6-1A49-40C6-8AF3-5D456FAE9B7F}" type="pres">
-      <dgm:prSet presAssocID="{163FF5F2-0FBB-4599-8839-8ACCD3E60977}" presName="parentText" presStyleLbl="node1" presStyleIdx="1" presStyleCnt="4">
-        <dgm:presLayoutVars>
-          <dgm:chMax val="0"/>
-          <dgm:bulletEnabled val="1"/>
-        </dgm:presLayoutVars>
-      </dgm:prSet>
-      <dgm:spPr/>
-    </dgm:pt>
-    <dgm:pt modelId="{4B9880EA-3198-4674-87E8-E891136B9794}" type="pres">
-      <dgm:prSet presAssocID="{1BDD31A9-CE96-4F16-9144-2FEFB0C628E1}" presName="spacer" presStyleCnt="0"/>
-      <dgm:spPr/>
-    </dgm:pt>
-    <dgm:pt modelId="{F2F8A1A3-E85F-41EC-A744-61E6E0E8CA72}" type="pres">
-      <dgm:prSet presAssocID="{4F80EEAD-ACDA-478A-9E85-342312E779BE}" presName="parentText" presStyleLbl="node1" presStyleIdx="2" presStyleCnt="4">
-        <dgm:presLayoutVars>
-          <dgm:chMax val="0"/>
-          <dgm:bulletEnabled val="1"/>
-        </dgm:presLayoutVars>
-      </dgm:prSet>
-      <dgm:spPr/>
-    </dgm:pt>
-    <dgm:pt modelId="{E18280F2-BFCE-4A6B-A16C-79E5224F2BAB}" type="pres">
-      <dgm:prSet presAssocID="{F211F56C-C79E-4030-88B1-100C6EC6DFFF}" presName="spacer" presStyleCnt="0"/>
-      <dgm:spPr/>
-    </dgm:pt>
-    <dgm:pt modelId="{9DF97AF9-B5E3-481F-A8DA-DB9C5F5DB969}" type="pres">
-      <dgm:prSet presAssocID="{C1DD7DCA-5641-4D24-A64B-A0289929AC87}" presName="parentText" presStyleLbl="node1" presStyleIdx="3" presStyleCnt="4">
-        <dgm:presLayoutVars>
-          <dgm:chMax val="0"/>
-          <dgm:bulletEnabled val="1"/>
-        </dgm:presLayoutVars>
-      </dgm:prSet>
-      <dgm:spPr/>
-    </dgm:pt>
-  </dgm:ptLst>
-  <dgm:cxnLst>
-    <dgm:cxn modelId="{87166A2E-3742-4B2E-8513-0C12A191C4D4}" srcId="{61C0CFAD-48D9-40F5-AEF4-0053B4BE1197}" destId="{C1DD7DCA-5641-4D24-A64B-A0289929AC87}" srcOrd="3" destOrd="0" parTransId="{8A463129-5A83-42CA-B820-8F40B09A4CC1}" sibTransId="{CD6B39DF-742F-454D-AD6A-A1AFC6515D05}"/>
-    <dgm:cxn modelId="{4420B533-8DF1-4A47-BB14-9C3E47B5499A}" type="presOf" srcId="{4F80EEAD-ACDA-478A-9E85-342312E779BE}" destId="{F2F8A1A3-E85F-41EC-A744-61E6E0E8CA72}" srcOrd="0" destOrd="0" presId="urn:microsoft.com/office/officeart/2005/8/layout/vList2"/>
-    <dgm:cxn modelId="{C36F3449-3DFC-4A27-A8D7-5828A9BE944D}" type="presOf" srcId="{C1DD7DCA-5641-4D24-A64B-A0289929AC87}" destId="{9DF97AF9-B5E3-481F-A8DA-DB9C5F5DB969}" srcOrd="0" destOrd="0" presId="urn:microsoft.com/office/officeart/2005/8/layout/vList2"/>
-    <dgm:cxn modelId="{B7ADC96C-DEEC-4031-B695-953EBB53B1E4}" type="presOf" srcId="{163FF5F2-0FBB-4599-8839-8ACCD3E60977}" destId="{C46D24F6-1A49-40C6-8AF3-5D456FAE9B7F}" srcOrd="0" destOrd="0" presId="urn:microsoft.com/office/officeart/2005/8/layout/vList2"/>
-    <dgm:cxn modelId="{57B01171-641D-4CB0-8D1E-78E70F0856AB}" srcId="{61C0CFAD-48D9-40F5-AEF4-0053B4BE1197}" destId="{17C1F347-1086-4F4F-B111-7B89256F0DC9}" srcOrd="0" destOrd="0" parTransId="{55E00491-BF6D-4CA3-9E6A-F2E2F05ADE0A}" sibTransId="{D9863CE0-2482-435E-ABE7-1A09D4418F27}"/>
-    <dgm:cxn modelId="{10AA0C94-1111-4894-8912-F83BC2E4FD33}" type="presOf" srcId="{61C0CFAD-48D9-40F5-AEF4-0053B4BE1197}" destId="{D7CBBD72-32D8-47AF-842E-C189231A2418}" srcOrd="0" destOrd="0" presId="urn:microsoft.com/office/officeart/2005/8/layout/vList2"/>
-    <dgm:cxn modelId="{E36842C2-344A-4305-A7A6-7F4BDCA93F7D}" type="presOf" srcId="{17C1F347-1086-4F4F-B111-7B89256F0DC9}" destId="{66EC0385-BD03-490D-B225-319A7B6B5451}" srcOrd="0" destOrd="0" presId="urn:microsoft.com/office/officeart/2005/8/layout/vList2"/>
-    <dgm:cxn modelId="{01E572C5-308F-4796-BDD4-C924477D252A}" srcId="{61C0CFAD-48D9-40F5-AEF4-0053B4BE1197}" destId="{163FF5F2-0FBB-4599-8839-8ACCD3E60977}" srcOrd="1" destOrd="0" parTransId="{ED0ACC58-4073-4E69-897B-839083E42D5B}" sibTransId="{1BDD31A9-CE96-4F16-9144-2FEFB0C628E1}"/>
-    <dgm:cxn modelId="{4B7744F2-A0D6-4267-B7F6-8D2A56052D90}" srcId="{61C0CFAD-48D9-40F5-AEF4-0053B4BE1197}" destId="{4F80EEAD-ACDA-478A-9E85-342312E779BE}" srcOrd="2" destOrd="0" parTransId="{774275DF-4A0E-47E7-A023-5F08B8A7285C}" sibTransId="{F211F56C-C79E-4030-88B1-100C6EC6DFFF}"/>
-    <dgm:cxn modelId="{D0D2C5DD-0A15-4AAB-B62D-69E67DDF2CDD}" type="presParOf" srcId="{D7CBBD72-32D8-47AF-842E-C189231A2418}" destId="{66EC0385-BD03-490D-B225-319A7B6B5451}" srcOrd="0" destOrd="0" presId="urn:microsoft.com/office/officeart/2005/8/layout/vList2"/>
-    <dgm:cxn modelId="{D0454275-D0E9-4F15-91FD-5D6E818EF1B1}" type="presParOf" srcId="{D7CBBD72-32D8-47AF-842E-C189231A2418}" destId="{F028DFC2-6A7D-4A44-9FAA-B878A4B09195}" srcOrd="1" destOrd="0" presId="urn:microsoft.com/office/officeart/2005/8/layout/vList2"/>
-    <dgm:cxn modelId="{61DA9EC0-2BC1-4FBA-8B61-246F449348BC}" type="presParOf" srcId="{D7CBBD72-32D8-47AF-842E-C189231A2418}" destId="{C46D24F6-1A49-40C6-8AF3-5D456FAE9B7F}" srcOrd="2" destOrd="0" presId="urn:microsoft.com/office/officeart/2005/8/layout/vList2"/>
-    <dgm:cxn modelId="{3DB9C04A-9FE0-4159-85D6-64A028187F07}" type="presParOf" srcId="{D7CBBD72-32D8-47AF-842E-C189231A2418}" destId="{4B9880EA-3198-4674-87E8-E891136B9794}" srcOrd="3" destOrd="0" presId="urn:microsoft.com/office/officeart/2005/8/layout/vList2"/>
-    <dgm:cxn modelId="{CEF10A6E-2FDF-4A83-9952-A1139608F675}" type="presParOf" srcId="{D7CBBD72-32D8-47AF-842E-C189231A2418}" destId="{F2F8A1A3-E85F-41EC-A744-61E6E0E8CA72}" srcOrd="4" destOrd="0" presId="urn:microsoft.com/office/officeart/2005/8/layout/vList2"/>
-    <dgm:cxn modelId="{69E1E914-E3C4-41BA-A70B-4BF745B83D24}" type="presParOf" srcId="{D7CBBD72-32D8-47AF-842E-C189231A2418}" destId="{E18280F2-BFCE-4A6B-A16C-79E5224F2BAB}" srcOrd="5" destOrd="0" presId="urn:microsoft.com/office/officeart/2005/8/layout/vList2"/>
-    <dgm:cxn modelId="{71CE0D0E-F4B1-4F61-95AD-1F2C451CA71B}" type="presParOf" srcId="{D7CBBD72-32D8-47AF-842E-C189231A2418}" destId="{9DF97AF9-B5E3-481F-A8DA-DB9C5F5DB969}" srcOrd="6" destOrd="0" presId="urn:microsoft.com/office/officeart/2005/8/layout/vList2"/>
-  </dgm:cxnLst>
-  <dgm:bg/>
-  <dgm:whole/>
-  <dgm:extLst>
-    <a:ext uri="http://schemas.microsoft.com/office/drawing/2008/diagram">
-      <dsp:dataModelExt xmlns:dsp="http://schemas.microsoft.com/office/drawing/2008/diagram" relId="rId6" minVer="http://schemas.openxmlformats.org/drawingml/2006/diagram"/>
     </a:ext>
   </dgm:extLst>
 </dgm:dataModel>
@@ -3275,8 +2313,8 @@
       </dsp:nvSpPr>
       <dsp:spPr>
         <a:xfrm>
-          <a:off x="0" y="9054"/>
-          <a:ext cx="5443456" cy="617760"/>
+          <a:off x="0" y="324702"/>
+          <a:ext cx="3863417" cy="597631"/>
         </a:xfrm>
         <a:prstGeom prst="roundRect">
           <a:avLst/>
@@ -3343,8 +2381,8 @@
         </a:p>
       </dsp:txBody>
       <dsp:txXfrm>
-        <a:off x="30157" y="39211"/>
-        <a:ext cx="5383142" cy="557446"/>
+        <a:off x="29174" y="353876"/>
+        <a:ext cx="3805069" cy="539283"/>
       </dsp:txXfrm>
     </dsp:sp>
     <dsp:sp modelId="{413ED511-8EAA-49D3-A51D-8BF8FC1C6132}">
@@ -3354,8 +2392,8 @@
       </dsp:nvSpPr>
       <dsp:spPr>
         <a:xfrm>
-          <a:off x="0" y="626814"/>
-          <a:ext cx="5443456" cy="2595780"/>
+          <a:off x="0" y="922333"/>
+          <a:ext cx="3863417" cy="1984612"/>
         </a:xfrm>
         <a:prstGeom prst="rect">
           <a:avLst/>
@@ -3379,12 +2417,12 @@
         <a:fontRef idx="minor"/>
       </dsp:style>
       <dsp:txBody>
-        <a:bodyPr spcFirstLastPara="0" vert="horz" wrap="square" lIns="172830" tIns="41910" rIns="234696" bIns="41910" numCol="1" spcCol="1270" anchor="t" anchorCtr="0">
+        <a:bodyPr spcFirstLastPara="0" vert="horz" wrap="square" lIns="122663" tIns="25400" rIns="142240" bIns="25400" numCol="1" spcCol="1270" anchor="t" anchorCtr="0">
           <a:noAutofit/>
         </a:bodyPr>
         <a:lstStyle/>
         <a:p>
-          <a:pPr marL="228600" lvl="1" indent="-228600" algn="l" defTabSz="1155700">
+          <a:pPr marL="228600" lvl="1" indent="-228600" algn="l" defTabSz="889000">
             <a:lnSpc>
               <a:spcPct val="90000"/>
             </a:lnSpc>
@@ -3397,13 +2435,13 @@
             <a:buChar char="•"/>
           </a:pPr>
           <a:r>
-            <a:rPr lang="en-US" sz="2600" kern="1200" dirty="0"/>
+            <a:rPr lang="en-US" sz="2000" kern="1200" dirty="0"/>
             <a:t>Mode of communication used by customer (Channel)</a:t>
           </a:r>
-          <a:endParaRPr lang="en-IN" sz="2600" kern="1200" dirty="0"/>
+          <a:endParaRPr lang="en-IN" sz="2000" kern="1200" dirty="0"/>
         </a:p>
         <a:p>
-          <a:pPr marL="228600" lvl="1" indent="-228600" algn="l" defTabSz="1155700">
+          <a:pPr marL="228600" lvl="1" indent="-228600" algn="l" defTabSz="889000">
             <a:lnSpc>
               <a:spcPct val="90000"/>
             </a:lnSpc>
@@ -3416,13 +2454,13 @@
             <a:buChar char="•"/>
           </a:pPr>
           <a:r>
-            <a:rPr lang="en-US" sz="2600" kern="1200" dirty="0"/>
+            <a:rPr lang="en-US" sz="2000" kern="1200" dirty="0"/>
             <a:t>Reason behind the complaint</a:t>
           </a:r>
-          <a:endParaRPr lang="en-IN" sz="2600" kern="1200" dirty="0"/>
+          <a:endParaRPr lang="en-IN" sz="2000" kern="1200" dirty="0"/>
         </a:p>
         <a:p>
-          <a:pPr marL="228600" lvl="1" indent="-228600" algn="l" defTabSz="1155700">
+          <a:pPr marL="228600" lvl="1" indent="-228600" algn="l" defTabSz="889000">
             <a:lnSpc>
               <a:spcPct val="90000"/>
             </a:lnSpc>
@@ -3435,13 +2473,13 @@
             <a:buChar char="•"/>
           </a:pPr>
           <a:r>
-            <a:rPr lang="en-US" sz="2600" kern="1200" dirty="0"/>
+            <a:rPr lang="en-US" sz="2000" kern="1200" dirty="0"/>
             <a:t>Response time</a:t>
           </a:r>
-          <a:endParaRPr lang="en-IN" sz="2600" kern="1200" dirty="0"/>
+          <a:endParaRPr lang="en-IN" sz="2000" kern="1200" dirty="0"/>
         </a:p>
         <a:p>
-          <a:pPr marL="228600" lvl="1" indent="-228600" algn="l" defTabSz="1155700">
+          <a:pPr marL="228600" lvl="1" indent="-228600" algn="l" defTabSz="889000">
             <a:lnSpc>
               <a:spcPct val="90000"/>
             </a:lnSpc>
@@ -3454,13 +2492,13 @@
             <a:buChar char="•"/>
           </a:pPr>
           <a:r>
-            <a:rPr lang="en-US" sz="2600" kern="1200" dirty="0"/>
-            <a:t>Call Center</a:t>
+            <a:rPr lang="en-US" sz="2000" kern="1200" dirty="0"/>
+            <a:t>Call center location</a:t>
           </a:r>
-          <a:endParaRPr lang="en-IN" sz="2600" kern="1200" dirty="0"/>
+          <a:endParaRPr lang="en-IN" sz="2000" kern="1200" dirty="0"/>
         </a:p>
         <a:p>
-          <a:pPr marL="228600" lvl="1" indent="-228600" algn="l" defTabSz="1155700">
+          <a:pPr marL="228600" lvl="1" indent="-228600" algn="l" defTabSz="889000">
             <a:lnSpc>
               <a:spcPct val="90000"/>
             </a:lnSpc>
@@ -3473,15 +2511,15 @@
             <a:buChar char="•"/>
           </a:pPr>
           <a:r>
-            <a:rPr lang="en-US" sz="2600" kern="1200" dirty="0"/>
+            <a:rPr lang="en-US" sz="2000" kern="1200" dirty="0"/>
             <a:t>City, State, Month, Year</a:t>
           </a:r>
-          <a:endParaRPr lang="en-IN" sz="2600" kern="1200" dirty="0"/>
+          <a:endParaRPr lang="en-IN" sz="2000" kern="1200" dirty="0"/>
         </a:p>
       </dsp:txBody>
       <dsp:txXfrm>
-        <a:off x="0" y="626814"/>
-        <a:ext cx="5443456" cy="2595780"/>
+        <a:off x="0" y="922333"/>
+        <a:ext cx="3863417" cy="1984612"/>
       </dsp:txXfrm>
     </dsp:sp>
   </dsp:spTree>
@@ -3503,28 +2541,28 @@
       </dsp:nvSpPr>
       <dsp:spPr>
         <a:xfrm>
-          <a:off x="0" y="349407"/>
-          <a:ext cx="5443455" cy="698698"/>
+          <a:off x="0" y="323228"/>
+          <a:ext cx="3863417" cy="593214"/>
         </a:xfrm>
         <a:prstGeom prst="roundRect">
           <a:avLst/>
         </a:prstGeom>
         <a:solidFill>
-          <a:schemeClr val="accent1">
+          <a:srgbClr val="4472C4">
             <a:hueOff val="0"/>
             <a:satOff val="0"/>
             <a:lumOff val="0"/>
             <a:alphaOff val="0"/>
-          </a:schemeClr>
+          </a:srgbClr>
         </a:solidFill>
         <a:ln w="12700" cap="flat" cmpd="sng" algn="ctr">
           <a:solidFill>
-            <a:schemeClr val="lt1">
+            <a:prstClr val="white">
               <a:hueOff val="0"/>
               <a:satOff val="0"/>
               <a:lumOff val="0"/>
               <a:alphaOff val="0"/>
-            </a:schemeClr>
+            </a:prstClr>
           </a:solidFill>
           <a:prstDash val="solid"/>
           <a:miter lim="800000"/>
@@ -3566,7 +2604,7 @@
           <a:r>
             <a:rPr lang="en-US" sz="2000" b="1" kern="1200" dirty="0">
               <a:solidFill>
-                <a:schemeClr val="bg1"/>
+                <a:prstClr val="white"/>
               </a:solidFill>
               <a:latin typeface="+mn-lt"/>
               <a:ea typeface="+mn-ea"/>
@@ -3605,8 +2643,8 @@
         </a:p>
       </dsp:txBody>
       <dsp:txXfrm>
-        <a:off x="34108" y="383515"/>
-        <a:ext cx="5375239" cy="630482"/>
+        <a:off x="28958" y="352186"/>
+        <a:ext cx="3805501" cy="535298"/>
       </dsp:txXfrm>
     </dsp:sp>
     <dsp:sp modelId="{5B85E448-6124-49BA-98A7-85BB8788764E}">
@@ -3616,8 +2654,8 @@
       </dsp:nvSpPr>
       <dsp:spPr>
         <a:xfrm>
-          <a:off x="0" y="1048106"/>
-          <a:ext cx="5443455" cy="1076400"/>
+          <a:off x="0" y="995364"/>
+          <a:ext cx="3863417" cy="1076400"/>
         </a:xfrm>
         <a:prstGeom prst="rect">
           <a:avLst/>
@@ -3641,12 +2679,12 @@
         <a:fontRef idx="minor"/>
       </dsp:style>
       <dsp:txBody>
-        <a:bodyPr spcFirstLastPara="0" vert="horz" wrap="square" lIns="172830" tIns="35560" rIns="199136" bIns="35560" numCol="1" spcCol="1270" anchor="t" anchorCtr="0">
+        <a:bodyPr spcFirstLastPara="0" vert="horz" wrap="square" lIns="122663" tIns="25400" rIns="142240" bIns="25400" numCol="1" spcCol="1270" anchor="t" anchorCtr="0">
           <a:noAutofit/>
         </a:bodyPr>
         <a:lstStyle/>
         <a:p>
-          <a:pPr marL="285750" lvl="1" indent="-285750" algn="l" defTabSz="1244600">
+          <a:pPr marL="228600" lvl="1" indent="-228600" algn="l" defTabSz="889000">
             <a:lnSpc>
               <a:spcPct val="90000"/>
             </a:lnSpc>
@@ -3659,7 +2697,7 @@
             <a:buChar char="•"/>
           </a:pPr>
           <a:r>
-            <a:rPr lang="en-US" sz="2800" kern="1200" dirty="0">
+            <a:rPr lang="en-US" sz="2000" kern="1200" dirty="0">
               <a:solidFill>
                 <a:prstClr val="black">
                   <a:hueOff val="0"/>
@@ -3675,13 +2713,13 @@
             <a:t>Customer</a:t>
           </a:r>
           <a:r>
-            <a:rPr lang="en-US" sz="2800" kern="1200" dirty="0">
+            <a:rPr lang="en-US" sz="2000" kern="1200" dirty="0">
               <a:latin typeface="+mn-lt"/>
             </a:rPr>
             <a:t> </a:t>
           </a:r>
           <a:r>
-            <a:rPr lang="en-US" sz="2800" kern="1200" dirty="0">
+            <a:rPr lang="en-US" sz="2000" kern="1200" dirty="0">
               <a:solidFill>
                 <a:prstClr val="black">
                   <a:hueOff val="0"/>
@@ -3696,7 +2734,7 @@
             </a:rPr>
             <a:t>Sentiment</a:t>
           </a:r>
-          <a:endParaRPr lang="en-IN" sz="2800" kern="1200" dirty="0">
+          <a:endParaRPr lang="en-IN" sz="2000" kern="1200" dirty="0">
             <a:solidFill>
               <a:prstClr val="black">
                 <a:hueOff val="0"/>
@@ -3711,7 +2749,7 @@
           </a:endParaRPr>
         </a:p>
         <a:p>
-          <a:pPr marL="285750" lvl="1" indent="-285750" algn="l" defTabSz="1244600">
+          <a:pPr marL="228600" lvl="1" indent="-228600" algn="l" defTabSz="889000">
             <a:lnSpc>
               <a:spcPct val="90000"/>
             </a:lnSpc>
@@ -3724,7 +2762,7 @@
             <a:buChar char="•"/>
           </a:pPr>
           <a:r>
-            <a:rPr lang="en-US" sz="2800" kern="1200" dirty="0">
+            <a:rPr lang="en-US" sz="2000" kern="1200" dirty="0">
               <a:solidFill>
                 <a:prstClr val="black">
                   <a:hueOff val="0"/>
@@ -3740,13 +2778,13 @@
             <a:t>CSAT</a:t>
           </a:r>
           <a:r>
-            <a:rPr lang="en-US" sz="2800" kern="1200" dirty="0">
+            <a:rPr lang="en-US" sz="2000" kern="1200" dirty="0">
               <a:latin typeface="+mn-lt"/>
             </a:rPr>
-            <a:t> </a:t>
+            <a:t> s</a:t>
           </a:r>
           <a:r>
-            <a:rPr lang="en-US" sz="2800" kern="1200" dirty="0">
+            <a:rPr lang="en-US" sz="2000" kern="1200" dirty="0">
               <a:solidFill>
                 <a:prstClr val="black">
                   <a:hueOff val="0"/>
@@ -3759,9 +2797,52 @@
               <a:ea typeface="+mn-ea"/>
               <a:cs typeface="+mn-cs"/>
             </a:rPr>
-            <a:t>Score</a:t>
+            <a:t>core</a:t>
           </a:r>
-          <a:endParaRPr lang="en-IN" sz="2800" kern="1200" dirty="0">
+          <a:endParaRPr lang="en-IN" sz="2000" kern="1200" dirty="0">
+            <a:solidFill>
+              <a:prstClr val="black">
+                <a:hueOff val="0"/>
+                <a:satOff val="0"/>
+                <a:lumOff val="0"/>
+                <a:alphaOff val="0"/>
+              </a:prstClr>
+            </a:solidFill>
+            <a:latin typeface="+mn-lt"/>
+            <a:ea typeface="+mn-ea"/>
+            <a:cs typeface="+mn-cs"/>
+          </a:endParaRPr>
+        </a:p>
+        <a:p>
+          <a:pPr marL="228600" lvl="1" indent="-228600" algn="l" defTabSz="889000">
+            <a:lnSpc>
+              <a:spcPct val="90000"/>
+            </a:lnSpc>
+            <a:spcBef>
+              <a:spcPct val="0"/>
+            </a:spcBef>
+            <a:spcAft>
+              <a:spcPct val="20000"/>
+            </a:spcAft>
+            <a:buChar char="•"/>
+          </a:pPr>
+          <a:r>
+            <a:rPr lang="en-US" sz="2000" kern="1200" dirty="0">
+              <a:solidFill>
+                <a:prstClr val="black">
+                  <a:hueOff val="0"/>
+                  <a:satOff val="0"/>
+                  <a:lumOff val="0"/>
+                  <a:alphaOff val="0"/>
+                </a:prstClr>
+              </a:solidFill>
+              <a:latin typeface="+mn-lt"/>
+              <a:ea typeface="+mn-ea"/>
+              <a:cs typeface="+mn-cs"/>
+            </a:rPr>
+            <a:t>Call duration in minutes</a:t>
+          </a:r>
+          <a:endParaRPr lang="en-IN" sz="2000" kern="1200" dirty="0">
             <a:solidFill>
               <a:prstClr val="black">
                 <a:hueOff val="0"/>
@@ -3777,340 +2858,8 @@
         </a:p>
       </dsp:txBody>
       <dsp:txXfrm>
-        <a:off x="0" y="1048106"/>
-        <a:ext cx="5443455" cy="1076400"/>
-      </dsp:txXfrm>
-    </dsp:sp>
-  </dsp:spTree>
-</dsp:drawing>
-</file>
-
-<file path=ppt/diagrams/drawing3.xml><?xml version="1.0" encoding="utf-8"?>
-<dsp:drawing xmlns:dgm="http://schemas.openxmlformats.org/drawingml/2006/diagram" xmlns:dsp="http://schemas.microsoft.com/office/drawing/2008/diagram" xmlns:a="http://schemas.openxmlformats.org/drawingml/2006/main">
-  <dsp:spTree>
-    <dsp:nvGrpSpPr>
-      <dsp:cNvPr id="0" name=""/>
-      <dsp:cNvGrpSpPr/>
-    </dsp:nvGrpSpPr>
-    <dsp:grpSpPr/>
-    <dsp:sp modelId="{66EC0385-BD03-490D-B225-319A7B6B5451}">
-      <dsp:nvSpPr>
-        <dsp:cNvPr id="0" name=""/>
-        <dsp:cNvSpPr/>
-      </dsp:nvSpPr>
-      <dsp:spPr>
-        <a:xfrm>
-          <a:off x="0" y="47484"/>
-          <a:ext cx="6037344" cy="671580"/>
-        </a:xfrm>
-        <a:prstGeom prst="roundRect">
-          <a:avLst/>
-        </a:prstGeom>
-        <a:solidFill>
-          <a:schemeClr val="lt1">
-            <a:hueOff val="0"/>
-            <a:satOff val="0"/>
-            <a:lumOff val="0"/>
-            <a:alphaOff val="0"/>
-          </a:schemeClr>
-        </a:solidFill>
-        <a:ln w="12700" cap="flat" cmpd="sng" algn="ctr">
-          <a:solidFill>
-            <a:schemeClr val="dk1">
-              <a:shade val="80000"/>
-              <a:hueOff val="0"/>
-              <a:satOff val="0"/>
-              <a:lumOff val="0"/>
-              <a:alphaOff val="0"/>
-            </a:schemeClr>
-          </a:solidFill>
-          <a:prstDash val="solid"/>
-          <a:miter lim="800000"/>
-        </a:ln>
-        <a:effectLst/>
-      </dsp:spPr>
-      <dsp:style>
-        <a:lnRef idx="2">
-          <a:scrgbClr r="0" g="0" b="0"/>
-        </a:lnRef>
-        <a:fillRef idx="1">
-          <a:scrgbClr r="0" g="0" b="0"/>
-        </a:fillRef>
-        <a:effectRef idx="0">
-          <a:scrgbClr r="0" g="0" b="0"/>
-        </a:effectRef>
-        <a:fontRef idx="minor">
-          <a:schemeClr val="lt1"/>
-        </a:fontRef>
-      </dsp:style>
-      <dsp:txBody>
-        <a:bodyPr spcFirstLastPara="0" vert="horz" wrap="square" lIns="106680" tIns="106680" rIns="106680" bIns="106680" numCol="1" spcCol="1270" anchor="ctr" anchorCtr="0">
-          <a:noAutofit/>
-        </a:bodyPr>
-        <a:lstStyle/>
-        <a:p>
-          <a:pPr marL="0" lvl="0" indent="0" algn="l" defTabSz="1244600">
-            <a:lnSpc>
-              <a:spcPct val="90000"/>
-            </a:lnSpc>
-            <a:spcBef>
-              <a:spcPct val="0"/>
-            </a:spcBef>
-            <a:spcAft>
-              <a:spcPct val="35000"/>
-            </a:spcAft>
-            <a:buNone/>
-          </a:pPr>
-          <a:r>
-            <a:rPr lang="en-US" sz="2800" kern="1200" dirty="0"/>
-            <a:t>Bar Chart</a:t>
-          </a:r>
-          <a:endParaRPr lang="en-IN" sz="2800" kern="1200" dirty="0"/>
-        </a:p>
-      </dsp:txBody>
-      <dsp:txXfrm>
-        <a:off x="32784" y="80268"/>
-        <a:ext cx="5971776" cy="606012"/>
-      </dsp:txXfrm>
-    </dsp:sp>
-    <dsp:sp modelId="{C46D24F6-1A49-40C6-8AF3-5D456FAE9B7F}">
-      <dsp:nvSpPr>
-        <dsp:cNvPr id="0" name=""/>
-        <dsp:cNvSpPr/>
-      </dsp:nvSpPr>
-      <dsp:spPr>
-        <a:xfrm>
-          <a:off x="0" y="799704"/>
-          <a:ext cx="6037344" cy="671580"/>
-        </a:xfrm>
-        <a:prstGeom prst="roundRect">
-          <a:avLst/>
-        </a:prstGeom>
-        <a:solidFill>
-          <a:schemeClr val="lt1">
-            <a:hueOff val="0"/>
-            <a:satOff val="0"/>
-            <a:lumOff val="0"/>
-            <a:alphaOff val="0"/>
-          </a:schemeClr>
-        </a:solidFill>
-        <a:ln w="12700" cap="flat" cmpd="sng" algn="ctr">
-          <a:solidFill>
-            <a:schemeClr val="dk1">
-              <a:shade val="80000"/>
-              <a:hueOff val="0"/>
-              <a:satOff val="0"/>
-              <a:lumOff val="0"/>
-              <a:alphaOff val="0"/>
-            </a:schemeClr>
-          </a:solidFill>
-          <a:prstDash val="solid"/>
-          <a:miter lim="800000"/>
-        </a:ln>
-        <a:effectLst/>
-      </dsp:spPr>
-      <dsp:style>
-        <a:lnRef idx="2">
-          <a:scrgbClr r="0" g="0" b="0"/>
-        </a:lnRef>
-        <a:fillRef idx="1">
-          <a:scrgbClr r="0" g="0" b="0"/>
-        </a:fillRef>
-        <a:effectRef idx="0">
-          <a:scrgbClr r="0" g="0" b="0"/>
-        </a:effectRef>
-        <a:fontRef idx="minor">
-          <a:schemeClr val="lt1"/>
-        </a:fontRef>
-      </dsp:style>
-      <dsp:txBody>
-        <a:bodyPr spcFirstLastPara="0" vert="horz" wrap="square" lIns="106680" tIns="106680" rIns="106680" bIns="106680" numCol="1" spcCol="1270" anchor="ctr" anchorCtr="0">
-          <a:noAutofit/>
-        </a:bodyPr>
-        <a:lstStyle/>
-        <a:p>
-          <a:pPr marL="0" lvl="0" indent="0" algn="l" defTabSz="1244600">
-            <a:lnSpc>
-              <a:spcPct val="90000"/>
-            </a:lnSpc>
-            <a:spcBef>
-              <a:spcPct val="0"/>
-            </a:spcBef>
-            <a:spcAft>
-              <a:spcPct val="35000"/>
-            </a:spcAft>
-            <a:buNone/>
-          </a:pPr>
-          <a:r>
-            <a:rPr lang="en-US" sz="2800" kern="1200" dirty="0"/>
-            <a:t>Pie-Chart</a:t>
-          </a:r>
-          <a:endParaRPr lang="en-IN" sz="2800" kern="1200" dirty="0"/>
-        </a:p>
-      </dsp:txBody>
-      <dsp:txXfrm>
-        <a:off x="32784" y="832488"/>
-        <a:ext cx="5971776" cy="606012"/>
-      </dsp:txXfrm>
-    </dsp:sp>
-    <dsp:sp modelId="{F2F8A1A3-E85F-41EC-A744-61E6E0E8CA72}">
-      <dsp:nvSpPr>
-        <dsp:cNvPr id="0" name=""/>
-        <dsp:cNvSpPr/>
-      </dsp:nvSpPr>
-      <dsp:spPr>
-        <a:xfrm>
-          <a:off x="0" y="1551924"/>
-          <a:ext cx="6037344" cy="671580"/>
-        </a:xfrm>
-        <a:prstGeom prst="roundRect">
-          <a:avLst/>
-        </a:prstGeom>
-        <a:solidFill>
-          <a:schemeClr val="lt1">
-            <a:hueOff val="0"/>
-            <a:satOff val="0"/>
-            <a:lumOff val="0"/>
-            <a:alphaOff val="0"/>
-          </a:schemeClr>
-        </a:solidFill>
-        <a:ln w="12700" cap="flat" cmpd="sng" algn="ctr">
-          <a:solidFill>
-            <a:schemeClr val="dk1">
-              <a:shade val="80000"/>
-              <a:hueOff val="0"/>
-              <a:satOff val="0"/>
-              <a:lumOff val="0"/>
-              <a:alphaOff val="0"/>
-            </a:schemeClr>
-          </a:solidFill>
-          <a:prstDash val="solid"/>
-          <a:miter lim="800000"/>
-        </a:ln>
-        <a:effectLst/>
-      </dsp:spPr>
-      <dsp:style>
-        <a:lnRef idx="2">
-          <a:scrgbClr r="0" g="0" b="0"/>
-        </a:lnRef>
-        <a:fillRef idx="1">
-          <a:scrgbClr r="0" g="0" b="0"/>
-        </a:fillRef>
-        <a:effectRef idx="0">
-          <a:scrgbClr r="0" g="0" b="0"/>
-        </a:effectRef>
-        <a:fontRef idx="minor">
-          <a:schemeClr val="lt1"/>
-        </a:fontRef>
-      </dsp:style>
-      <dsp:txBody>
-        <a:bodyPr spcFirstLastPara="0" vert="horz" wrap="square" lIns="106680" tIns="106680" rIns="106680" bIns="106680" numCol="1" spcCol="1270" anchor="ctr" anchorCtr="0">
-          <a:noAutofit/>
-        </a:bodyPr>
-        <a:lstStyle/>
-        <a:p>
-          <a:pPr marL="0" lvl="0" indent="0" algn="l" defTabSz="1244600">
-            <a:lnSpc>
-              <a:spcPct val="90000"/>
-            </a:lnSpc>
-            <a:spcBef>
-              <a:spcPct val="0"/>
-            </a:spcBef>
-            <a:spcAft>
-              <a:spcPct val="35000"/>
-            </a:spcAft>
-            <a:buNone/>
-          </a:pPr>
-          <a:r>
-            <a:rPr lang="en-US" sz="2800" kern="1200" dirty="0"/>
-            <a:t>Table</a:t>
-          </a:r>
-          <a:endParaRPr lang="en-IN" sz="2800" kern="1200" dirty="0"/>
-        </a:p>
-      </dsp:txBody>
-      <dsp:txXfrm>
-        <a:off x="32784" y="1584708"/>
-        <a:ext cx="5971776" cy="606012"/>
-      </dsp:txXfrm>
-    </dsp:sp>
-    <dsp:sp modelId="{9DF97AF9-B5E3-481F-A8DA-DB9C5F5DB969}">
-      <dsp:nvSpPr>
-        <dsp:cNvPr id="0" name=""/>
-        <dsp:cNvSpPr/>
-      </dsp:nvSpPr>
-      <dsp:spPr>
-        <a:xfrm>
-          <a:off x="0" y="2304144"/>
-          <a:ext cx="6037344" cy="671580"/>
-        </a:xfrm>
-        <a:prstGeom prst="roundRect">
-          <a:avLst/>
-        </a:prstGeom>
-        <a:solidFill>
-          <a:schemeClr val="lt1">
-            <a:hueOff val="0"/>
-            <a:satOff val="0"/>
-            <a:lumOff val="0"/>
-            <a:alphaOff val="0"/>
-          </a:schemeClr>
-        </a:solidFill>
-        <a:ln w="12700" cap="flat" cmpd="sng" algn="ctr">
-          <a:solidFill>
-            <a:schemeClr val="dk1">
-              <a:shade val="80000"/>
-              <a:hueOff val="0"/>
-              <a:satOff val="0"/>
-              <a:lumOff val="0"/>
-              <a:alphaOff val="0"/>
-            </a:schemeClr>
-          </a:solidFill>
-          <a:prstDash val="solid"/>
-          <a:miter lim="800000"/>
-        </a:ln>
-        <a:effectLst/>
-      </dsp:spPr>
-      <dsp:style>
-        <a:lnRef idx="2">
-          <a:scrgbClr r="0" g="0" b="0"/>
-        </a:lnRef>
-        <a:fillRef idx="1">
-          <a:scrgbClr r="0" g="0" b="0"/>
-        </a:fillRef>
-        <a:effectRef idx="0">
-          <a:scrgbClr r="0" g="0" b="0"/>
-        </a:effectRef>
-        <a:fontRef idx="minor">
-          <a:schemeClr val="lt1"/>
-        </a:fontRef>
-      </dsp:style>
-      <dsp:txBody>
-        <a:bodyPr spcFirstLastPara="0" vert="horz" wrap="square" lIns="106680" tIns="106680" rIns="106680" bIns="106680" numCol="1" spcCol="1270" anchor="ctr" anchorCtr="0">
-          <a:noAutofit/>
-        </a:bodyPr>
-        <a:lstStyle/>
-        <a:p>
-          <a:pPr marL="0" lvl="0" indent="0" algn="l" defTabSz="1244600">
-            <a:lnSpc>
-              <a:spcPct val="90000"/>
-            </a:lnSpc>
-            <a:spcBef>
-              <a:spcPct val="0"/>
-            </a:spcBef>
-            <a:spcAft>
-              <a:spcPct val="35000"/>
-            </a:spcAft>
-            <a:buNone/>
-          </a:pPr>
-          <a:r>
-            <a:rPr lang="en-US" sz="2800" kern="1200" dirty="0"/>
-            <a:t>Map</a:t>
-          </a:r>
-          <a:endParaRPr lang="en-IN" sz="2800" kern="1200" dirty="0"/>
-        </a:p>
-      </dsp:txBody>
-      <dsp:txXfrm>
-        <a:off x="32784" y="2336928"/>
-        <a:ext cx="5971776" cy="606012"/>
+        <a:off x="0" y="995364"/>
+        <a:ext cx="3863417" cy="1076400"/>
       </dsp:txXfrm>
     </dsp:sp>
   </dsp:spTree>
@@ -4451,173 +3200,6 @@
 </dgm:layoutDef>
 </file>
 
-<file path=ppt/diagrams/layout3.xml><?xml version="1.0" encoding="utf-8"?>
-<dgm:layoutDef xmlns:dgm="http://schemas.openxmlformats.org/drawingml/2006/diagram" xmlns:a="http://schemas.openxmlformats.org/drawingml/2006/main" uniqueId="urn:microsoft.com/office/officeart/2005/8/layout/vList2">
-  <dgm:title val=""/>
-  <dgm:desc val=""/>
-  <dgm:catLst>
-    <dgm:cat type="list" pri="3000"/>
-    <dgm:cat type="convert" pri="1000"/>
-  </dgm:catLst>
-  <dgm:sampData>
-    <dgm:dataModel>
-      <dgm:ptLst>
-        <dgm:pt modelId="0" type="doc"/>
-        <dgm:pt modelId="1">
-          <dgm:prSet phldr="1"/>
-        </dgm:pt>
-        <dgm:pt modelId="11">
-          <dgm:prSet phldr="1"/>
-        </dgm:pt>
-        <dgm:pt modelId="2">
-          <dgm:prSet phldr="1"/>
-        </dgm:pt>
-        <dgm:pt modelId="21">
-          <dgm:prSet phldr="1"/>
-        </dgm:pt>
-      </dgm:ptLst>
-      <dgm:cxnLst>
-        <dgm:cxn modelId="4" srcId="0" destId="1" srcOrd="0" destOrd="0"/>
-        <dgm:cxn modelId="5" srcId="0" destId="2" srcOrd="1" destOrd="0"/>
-        <dgm:cxn modelId="12" srcId="1" destId="11" srcOrd="0" destOrd="0"/>
-        <dgm:cxn modelId="23" srcId="2" destId="21" srcOrd="0" destOrd="0"/>
-      </dgm:cxnLst>
-      <dgm:bg/>
-      <dgm:whole/>
-    </dgm:dataModel>
-  </dgm:sampData>
-  <dgm:styleData>
-    <dgm:dataModel>
-      <dgm:ptLst>
-        <dgm:pt modelId="0" type="doc"/>
-        <dgm:pt modelId="1"/>
-        <dgm:pt modelId="2"/>
-      </dgm:ptLst>
-      <dgm:cxnLst>
-        <dgm:cxn modelId="3" srcId="0" destId="1" srcOrd="0" destOrd="0"/>
-        <dgm:cxn modelId="4" srcId="0" destId="2" srcOrd="1" destOrd="0"/>
-      </dgm:cxnLst>
-      <dgm:bg/>
-      <dgm:whole/>
-    </dgm:dataModel>
-  </dgm:styleData>
-  <dgm:clrData>
-    <dgm:dataModel>
-      <dgm:ptLst>
-        <dgm:pt modelId="0" type="doc"/>
-        <dgm:pt modelId="1"/>
-        <dgm:pt modelId="2"/>
-        <dgm:pt modelId="3"/>
-        <dgm:pt modelId="4"/>
-      </dgm:ptLst>
-      <dgm:cxnLst>
-        <dgm:cxn modelId="5" srcId="0" destId="1" srcOrd="0" destOrd="0"/>
-        <dgm:cxn modelId="6" srcId="0" destId="2" srcOrd="1" destOrd="0"/>
-        <dgm:cxn modelId="7" srcId="0" destId="3" srcOrd="2" destOrd="0"/>
-        <dgm:cxn modelId="8" srcId="0" destId="4" srcOrd="3" destOrd="0"/>
-      </dgm:cxnLst>
-      <dgm:bg/>
-      <dgm:whole/>
-    </dgm:dataModel>
-  </dgm:clrData>
-  <dgm:layoutNode name="linear">
-    <dgm:varLst>
-      <dgm:animLvl val="lvl"/>
-      <dgm:resizeHandles val="exact"/>
-    </dgm:varLst>
-    <dgm:alg type="lin">
-      <dgm:param type="linDir" val="fromT"/>
-      <dgm:param type="vertAlign" val="mid"/>
-    </dgm:alg>
-    <dgm:shape xmlns:r="http://schemas.openxmlformats.org/officeDocument/2006/relationships" r:blip="">
-      <dgm:adjLst/>
-    </dgm:shape>
-    <dgm:presOf/>
-    <dgm:constrLst>
-      <dgm:constr type="w" for="ch" forName="parentText" refType="w"/>
-      <dgm:constr type="h" for="ch" forName="parentText" refType="primFontSz" refFor="ch" refForName="parentText" fact="0.52"/>
-      <dgm:constr type="w" for="ch" forName="childText" refType="w"/>
-      <dgm:constr type="h" for="ch" forName="childText" refType="primFontSz" refFor="ch" refForName="parentText" fact="0.46"/>
-      <dgm:constr type="h" for="ch" forName="parentText" op="equ"/>
-      <dgm:constr type="primFontSz" for="ch" forName="parentText" op="equ" val="65"/>
-      <dgm:constr type="primFontSz" for="ch" forName="childText" refType="primFontSz" refFor="ch" refForName="parentText" op="equ"/>
-      <dgm:constr type="h" for="ch" forName="spacer" refType="primFontSz" refFor="ch" refForName="parentText" fact="0.08"/>
-    </dgm:constrLst>
-    <dgm:ruleLst>
-      <dgm:rule type="primFontSz" for="ch" forName="parentText" val="5" fact="NaN" max="NaN"/>
-    </dgm:ruleLst>
-    <dgm:forEach name="Name0" axis="ch" ptType="node">
-      <dgm:layoutNode name="parentText" styleLbl="node1">
-        <dgm:varLst>
-          <dgm:chMax val="0"/>
-          <dgm:bulletEnabled val="1"/>
-        </dgm:varLst>
-        <dgm:alg type="tx">
-          <dgm:param type="parTxLTRAlign" val="l"/>
-          <dgm:param type="parTxRTLAlign" val="r"/>
-        </dgm:alg>
-        <dgm:shape xmlns:r="http://schemas.openxmlformats.org/officeDocument/2006/relationships" type="roundRect" r:blip="">
-          <dgm:adjLst/>
-        </dgm:shape>
-        <dgm:presOf axis="self"/>
-        <dgm:constrLst>
-          <dgm:constr type="tMarg" refType="primFontSz" fact="0.3"/>
-          <dgm:constr type="bMarg" refType="primFontSz" fact="0.3"/>
-          <dgm:constr type="lMarg" refType="primFontSz" fact="0.3"/>
-          <dgm:constr type="rMarg" refType="primFontSz" fact="0.3"/>
-        </dgm:constrLst>
-        <dgm:ruleLst>
-          <dgm:rule type="h" val="INF" fact="NaN" max="NaN"/>
-        </dgm:ruleLst>
-      </dgm:layoutNode>
-      <dgm:choose name="Name1">
-        <dgm:if name="Name2" axis="ch" ptType="node" func="cnt" op="gte" val="1">
-          <dgm:layoutNode name="childText" styleLbl="revTx">
-            <dgm:varLst>
-              <dgm:bulletEnabled val="1"/>
-            </dgm:varLst>
-            <dgm:alg type="tx">
-              <dgm:param type="stBulletLvl" val="1"/>
-              <dgm:param type="lnSpAfChP" val="20"/>
-            </dgm:alg>
-            <dgm:shape xmlns:r="http://schemas.openxmlformats.org/officeDocument/2006/relationships" type="rect" r:blip="">
-              <dgm:adjLst/>
-            </dgm:shape>
-            <dgm:presOf axis="des" ptType="node"/>
-            <dgm:constrLst>
-              <dgm:constr type="tMarg" refType="primFontSz" fact="0.1"/>
-              <dgm:constr type="bMarg" refType="primFontSz" fact="0.1"/>
-              <dgm:constr type="lMarg" refType="w" fact="0.09"/>
-            </dgm:constrLst>
-            <dgm:ruleLst>
-              <dgm:rule type="h" val="INF" fact="NaN" max="NaN"/>
-            </dgm:ruleLst>
-          </dgm:layoutNode>
-        </dgm:if>
-        <dgm:else name="Name3">
-          <dgm:choose name="Name4">
-            <dgm:if name="Name5" axis="par ch" ptType="doc node" func="cnt" op="gte" val="2">
-              <dgm:forEach name="Name6" axis="followSib" ptType="sibTrans" cnt="1">
-                <dgm:layoutNode name="spacer">
-                  <dgm:alg type="sp"/>
-                  <dgm:shape xmlns:r="http://schemas.openxmlformats.org/officeDocument/2006/relationships" r:blip="">
-                    <dgm:adjLst/>
-                  </dgm:shape>
-                  <dgm:presOf/>
-                  <dgm:constrLst/>
-                  <dgm:ruleLst/>
-                </dgm:layoutNode>
-              </dgm:forEach>
-            </dgm:if>
-            <dgm:else name="Name7"/>
-          </dgm:choose>
-        </dgm:else>
-      </dgm:choose>
-    </dgm:forEach>
-  </dgm:layoutNode>
-</dgm:layoutDef>
-</file>
-
 <file path=ppt/diagrams/quickStyle1.xml><?xml version="1.0" encoding="utf-8"?>
 <dgm:styleDef xmlns:dgm="http://schemas.openxmlformats.org/drawingml/2006/diagram" xmlns:a="http://schemas.openxmlformats.org/drawingml/2006/main" uniqueId="urn:microsoft.com/office/officeart/2005/8/quickstyle/simple1">
   <dgm:title val=""/>
@@ -5653,1040 +4235,6 @@
 </file>
 
 <file path=ppt/diagrams/quickStyle2.xml><?xml version="1.0" encoding="utf-8"?>
-<dgm:styleDef xmlns:dgm="http://schemas.openxmlformats.org/drawingml/2006/diagram" xmlns:a="http://schemas.openxmlformats.org/drawingml/2006/main" uniqueId="urn:microsoft.com/office/officeart/2005/8/quickstyle/simple1">
-  <dgm:title val=""/>
-  <dgm:desc val=""/>
-  <dgm:catLst>
-    <dgm:cat type="simple" pri="10100"/>
-  </dgm:catLst>
-  <dgm:scene3d>
-    <a:camera prst="orthographicFront"/>
-    <a:lightRig rig="threePt" dir="t"/>
-  </dgm:scene3d>
-  <dgm:styleLbl name="node0">
-    <dgm:scene3d>
-      <a:camera prst="orthographicFront"/>
-      <a:lightRig rig="threePt" dir="t"/>
-    </dgm:scene3d>
-    <dgm:sp3d/>
-    <dgm:txPr/>
-    <dgm:style>
-      <a:lnRef idx="2">
-        <a:scrgbClr r="0" g="0" b="0"/>
-      </a:lnRef>
-      <a:fillRef idx="1">
-        <a:scrgbClr r="0" g="0" b="0"/>
-      </a:fillRef>
-      <a:effectRef idx="0">
-        <a:scrgbClr r="0" g="0" b="0"/>
-      </a:effectRef>
-      <a:fontRef idx="minor">
-        <a:schemeClr val="lt1"/>
-      </a:fontRef>
-    </dgm:style>
-  </dgm:styleLbl>
-  <dgm:styleLbl name="lnNode1">
-    <dgm:scene3d>
-      <a:camera prst="orthographicFront"/>
-      <a:lightRig rig="threePt" dir="t"/>
-    </dgm:scene3d>
-    <dgm:sp3d/>
-    <dgm:txPr/>
-    <dgm:style>
-      <a:lnRef idx="2">
-        <a:scrgbClr r="0" g="0" b="0"/>
-      </a:lnRef>
-      <a:fillRef idx="1">
-        <a:scrgbClr r="0" g="0" b="0"/>
-      </a:fillRef>
-      <a:effectRef idx="0">
-        <a:scrgbClr r="0" g="0" b="0"/>
-      </a:effectRef>
-      <a:fontRef idx="minor">
-        <a:schemeClr val="lt1"/>
-      </a:fontRef>
-    </dgm:style>
-  </dgm:styleLbl>
-  <dgm:styleLbl name="vennNode1">
-    <dgm:scene3d>
-      <a:camera prst="orthographicFront"/>
-      <a:lightRig rig="threePt" dir="t"/>
-    </dgm:scene3d>
-    <dgm:sp3d/>
-    <dgm:txPr/>
-    <dgm:style>
-      <a:lnRef idx="2">
-        <a:scrgbClr r="0" g="0" b="0"/>
-      </a:lnRef>
-      <a:fillRef idx="1">
-        <a:scrgbClr r="0" g="0" b="0"/>
-      </a:fillRef>
-      <a:effectRef idx="0">
-        <a:scrgbClr r="0" g="0" b="0"/>
-      </a:effectRef>
-      <a:fontRef idx="minor">
-        <a:schemeClr val="tx1"/>
-      </a:fontRef>
-    </dgm:style>
-  </dgm:styleLbl>
-  <dgm:styleLbl name="alignNode1">
-    <dgm:scene3d>
-      <a:camera prst="orthographicFront"/>
-      <a:lightRig rig="threePt" dir="t"/>
-    </dgm:scene3d>
-    <dgm:sp3d/>
-    <dgm:txPr/>
-    <dgm:style>
-      <a:lnRef idx="2">
-        <a:scrgbClr r="0" g="0" b="0"/>
-      </a:lnRef>
-      <a:fillRef idx="1">
-        <a:scrgbClr r="0" g="0" b="0"/>
-      </a:fillRef>
-      <a:effectRef idx="0">
-        <a:scrgbClr r="0" g="0" b="0"/>
-      </a:effectRef>
-      <a:fontRef idx="minor">
-        <a:schemeClr val="lt1"/>
-      </a:fontRef>
-    </dgm:style>
-  </dgm:styleLbl>
-  <dgm:styleLbl name="node1">
-    <dgm:scene3d>
-      <a:camera prst="orthographicFront"/>
-      <a:lightRig rig="threePt" dir="t"/>
-    </dgm:scene3d>
-    <dgm:sp3d/>
-    <dgm:txPr/>
-    <dgm:style>
-      <a:lnRef idx="2">
-        <a:scrgbClr r="0" g="0" b="0"/>
-      </a:lnRef>
-      <a:fillRef idx="1">
-        <a:scrgbClr r="0" g="0" b="0"/>
-      </a:fillRef>
-      <a:effectRef idx="0">
-        <a:scrgbClr r="0" g="0" b="0"/>
-      </a:effectRef>
-      <a:fontRef idx="minor">
-        <a:schemeClr val="lt1"/>
-      </a:fontRef>
-    </dgm:style>
-  </dgm:styleLbl>
-  <dgm:styleLbl name="node2">
-    <dgm:scene3d>
-      <a:camera prst="orthographicFront"/>
-      <a:lightRig rig="threePt" dir="t"/>
-    </dgm:scene3d>
-    <dgm:sp3d/>
-    <dgm:txPr/>
-    <dgm:style>
-      <a:lnRef idx="2">
-        <a:scrgbClr r="0" g="0" b="0"/>
-      </a:lnRef>
-      <a:fillRef idx="1">
-        <a:scrgbClr r="0" g="0" b="0"/>
-      </a:fillRef>
-      <a:effectRef idx="0">
-        <a:scrgbClr r="0" g="0" b="0"/>
-      </a:effectRef>
-      <a:fontRef idx="minor">
-        <a:schemeClr val="lt1"/>
-      </a:fontRef>
-    </dgm:style>
-  </dgm:styleLbl>
-  <dgm:styleLbl name="node3">
-    <dgm:scene3d>
-      <a:camera prst="orthographicFront"/>
-      <a:lightRig rig="threePt" dir="t"/>
-    </dgm:scene3d>
-    <dgm:sp3d/>
-    <dgm:txPr/>
-    <dgm:style>
-      <a:lnRef idx="2">
-        <a:scrgbClr r="0" g="0" b="0"/>
-      </a:lnRef>
-      <a:fillRef idx="1">
-        <a:scrgbClr r="0" g="0" b="0"/>
-      </a:fillRef>
-      <a:effectRef idx="0">
-        <a:scrgbClr r="0" g="0" b="0"/>
-      </a:effectRef>
-      <a:fontRef idx="minor">
-        <a:schemeClr val="lt1"/>
-      </a:fontRef>
-    </dgm:style>
-  </dgm:styleLbl>
-  <dgm:styleLbl name="node4">
-    <dgm:scene3d>
-      <a:camera prst="orthographicFront"/>
-      <a:lightRig rig="threePt" dir="t"/>
-    </dgm:scene3d>
-    <dgm:sp3d/>
-    <dgm:txPr/>
-    <dgm:style>
-      <a:lnRef idx="2">
-        <a:scrgbClr r="0" g="0" b="0"/>
-      </a:lnRef>
-      <a:fillRef idx="1">
-        <a:scrgbClr r="0" g="0" b="0"/>
-      </a:fillRef>
-      <a:effectRef idx="0">
-        <a:scrgbClr r="0" g="0" b="0"/>
-      </a:effectRef>
-      <a:fontRef idx="minor">
-        <a:schemeClr val="lt1"/>
-      </a:fontRef>
-    </dgm:style>
-  </dgm:styleLbl>
-  <dgm:styleLbl name="fgImgPlace1">
-    <dgm:scene3d>
-      <a:camera prst="orthographicFront"/>
-      <a:lightRig rig="threePt" dir="t"/>
-    </dgm:scene3d>
-    <dgm:sp3d/>
-    <dgm:txPr/>
-    <dgm:style>
-      <a:lnRef idx="2">
-        <a:scrgbClr r="0" g="0" b="0"/>
-      </a:lnRef>
-      <a:fillRef idx="1">
-        <a:scrgbClr r="0" g="0" b="0"/>
-      </a:fillRef>
-      <a:effectRef idx="0">
-        <a:scrgbClr r="0" g="0" b="0"/>
-      </a:effectRef>
-      <a:fontRef idx="minor"/>
-    </dgm:style>
-  </dgm:styleLbl>
-  <dgm:styleLbl name="alignImgPlace1">
-    <dgm:scene3d>
-      <a:camera prst="orthographicFront"/>
-      <a:lightRig rig="threePt" dir="t"/>
-    </dgm:scene3d>
-    <dgm:sp3d/>
-    <dgm:txPr/>
-    <dgm:style>
-      <a:lnRef idx="2">
-        <a:scrgbClr r="0" g="0" b="0"/>
-      </a:lnRef>
-      <a:fillRef idx="1">
-        <a:scrgbClr r="0" g="0" b="0"/>
-      </a:fillRef>
-      <a:effectRef idx="0">
-        <a:scrgbClr r="0" g="0" b="0"/>
-      </a:effectRef>
-      <a:fontRef idx="minor"/>
-    </dgm:style>
-  </dgm:styleLbl>
-  <dgm:styleLbl name="bgImgPlace1">
-    <dgm:scene3d>
-      <a:camera prst="orthographicFront"/>
-      <a:lightRig rig="threePt" dir="t"/>
-    </dgm:scene3d>
-    <dgm:sp3d/>
-    <dgm:txPr/>
-    <dgm:style>
-      <a:lnRef idx="2">
-        <a:scrgbClr r="0" g="0" b="0"/>
-      </a:lnRef>
-      <a:fillRef idx="1">
-        <a:scrgbClr r="0" g="0" b="0"/>
-      </a:fillRef>
-      <a:effectRef idx="0">
-        <a:scrgbClr r="0" g="0" b="0"/>
-      </a:effectRef>
-      <a:fontRef idx="minor"/>
-    </dgm:style>
-  </dgm:styleLbl>
-  <dgm:styleLbl name="sibTrans2D1">
-    <dgm:scene3d>
-      <a:camera prst="orthographicFront"/>
-      <a:lightRig rig="threePt" dir="t"/>
-    </dgm:scene3d>
-    <dgm:sp3d/>
-    <dgm:txPr/>
-    <dgm:style>
-      <a:lnRef idx="0">
-        <a:scrgbClr r="0" g="0" b="0"/>
-      </a:lnRef>
-      <a:fillRef idx="1">
-        <a:scrgbClr r="0" g="0" b="0"/>
-      </a:fillRef>
-      <a:effectRef idx="0">
-        <a:scrgbClr r="0" g="0" b="0"/>
-      </a:effectRef>
-      <a:fontRef idx="minor">
-        <a:schemeClr val="lt1"/>
-      </a:fontRef>
-    </dgm:style>
-  </dgm:styleLbl>
-  <dgm:styleLbl name="fgSibTrans2D1">
-    <dgm:scene3d>
-      <a:camera prst="orthographicFront"/>
-      <a:lightRig rig="threePt" dir="t"/>
-    </dgm:scene3d>
-    <dgm:sp3d/>
-    <dgm:txPr/>
-    <dgm:style>
-      <a:lnRef idx="0">
-        <a:scrgbClr r="0" g="0" b="0"/>
-      </a:lnRef>
-      <a:fillRef idx="1">
-        <a:scrgbClr r="0" g="0" b="0"/>
-      </a:fillRef>
-      <a:effectRef idx="0">
-        <a:scrgbClr r="0" g="0" b="0"/>
-      </a:effectRef>
-      <a:fontRef idx="minor">
-        <a:schemeClr val="lt1"/>
-      </a:fontRef>
-    </dgm:style>
-  </dgm:styleLbl>
-  <dgm:styleLbl name="bgSibTrans2D1">
-    <dgm:scene3d>
-      <a:camera prst="orthographicFront"/>
-      <a:lightRig rig="threePt" dir="t"/>
-    </dgm:scene3d>
-    <dgm:sp3d/>
-    <dgm:txPr/>
-    <dgm:style>
-      <a:lnRef idx="0">
-        <a:scrgbClr r="0" g="0" b="0"/>
-      </a:lnRef>
-      <a:fillRef idx="1">
-        <a:scrgbClr r="0" g="0" b="0"/>
-      </a:fillRef>
-      <a:effectRef idx="0">
-        <a:scrgbClr r="0" g="0" b="0"/>
-      </a:effectRef>
-      <a:fontRef idx="minor">
-        <a:schemeClr val="lt1"/>
-      </a:fontRef>
-    </dgm:style>
-  </dgm:styleLbl>
-  <dgm:styleLbl name="sibTrans1D1">
-    <dgm:scene3d>
-      <a:camera prst="orthographicFront"/>
-      <a:lightRig rig="threePt" dir="t"/>
-    </dgm:scene3d>
-    <dgm:sp3d/>
-    <dgm:txPr/>
-    <dgm:style>
-      <a:lnRef idx="1">
-        <a:scrgbClr r="0" g="0" b="0"/>
-      </a:lnRef>
-      <a:fillRef idx="0">
-        <a:scrgbClr r="0" g="0" b="0"/>
-      </a:fillRef>
-      <a:effectRef idx="0">
-        <a:scrgbClr r="0" g="0" b="0"/>
-      </a:effectRef>
-      <a:fontRef idx="minor"/>
-    </dgm:style>
-  </dgm:styleLbl>
-  <dgm:styleLbl name="callout">
-    <dgm:scene3d>
-      <a:camera prst="orthographicFront"/>
-      <a:lightRig rig="threePt" dir="t"/>
-    </dgm:scene3d>
-    <dgm:sp3d/>
-    <dgm:txPr/>
-    <dgm:style>
-      <a:lnRef idx="2">
-        <a:scrgbClr r="0" g="0" b="0"/>
-      </a:lnRef>
-      <a:fillRef idx="1">
-        <a:scrgbClr r="0" g="0" b="0"/>
-      </a:fillRef>
-      <a:effectRef idx="0">
-        <a:scrgbClr r="0" g="0" b="0"/>
-      </a:effectRef>
-      <a:fontRef idx="minor"/>
-    </dgm:style>
-  </dgm:styleLbl>
-  <dgm:styleLbl name="asst0">
-    <dgm:scene3d>
-      <a:camera prst="orthographicFront"/>
-      <a:lightRig rig="threePt" dir="t"/>
-    </dgm:scene3d>
-    <dgm:sp3d/>
-    <dgm:txPr/>
-    <dgm:style>
-      <a:lnRef idx="2">
-        <a:scrgbClr r="0" g="0" b="0"/>
-      </a:lnRef>
-      <a:fillRef idx="1">
-        <a:scrgbClr r="0" g="0" b="0"/>
-      </a:fillRef>
-      <a:effectRef idx="0">
-        <a:scrgbClr r="0" g="0" b="0"/>
-      </a:effectRef>
-      <a:fontRef idx="minor">
-        <a:schemeClr val="lt1"/>
-      </a:fontRef>
-    </dgm:style>
-  </dgm:styleLbl>
-  <dgm:styleLbl name="asst1">
-    <dgm:scene3d>
-      <a:camera prst="orthographicFront"/>
-      <a:lightRig rig="threePt" dir="t"/>
-    </dgm:scene3d>
-    <dgm:sp3d/>
-    <dgm:txPr/>
-    <dgm:style>
-      <a:lnRef idx="2">
-        <a:scrgbClr r="0" g="0" b="0"/>
-      </a:lnRef>
-      <a:fillRef idx="1">
-        <a:scrgbClr r="0" g="0" b="0"/>
-      </a:fillRef>
-      <a:effectRef idx="0">
-        <a:scrgbClr r="0" g="0" b="0"/>
-      </a:effectRef>
-      <a:fontRef idx="minor">
-        <a:schemeClr val="lt1"/>
-      </a:fontRef>
-    </dgm:style>
-  </dgm:styleLbl>
-  <dgm:styleLbl name="asst2">
-    <dgm:scene3d>
-      <a:camera prst="orthographicFront"/>
-      <a:lightRig rig="threePt" dir="t"/>
-    </dgm:scene3d>
-    <dgm:sp3d/>
-    <dgm:txPr/>
-    <dgm:style>
-      <a:lnRef idx="2">
-        <a:scrgbClr r="0" g="0" b="0"/>
-      </a:lnRef>
-      <a:fillRef idx="1">
-        <a:scrgbClr r="0" g="0" b="0"/>
-      </a:fillRef>
-      <a:effectRef idx="0">
-        <a:scrgbClr r="0" g="0" b="0"/>
-      </a:effectRef>
-      <a:fontRef idx="minor">
-        <a:schemeClr val="lt1"/>
-      </a:fontRef>
-    </dgm:style>
-  </dgm:styleLbl>
-  <dgm:styleLbl name="asst3">
-    <dgm:scene3d>
-      <a:camera prst="orthographicFront"/>
-      <a:lightRig rig="threePt" dir="t"/>
-    </dgm:scene3d>
-    <dgm:sp3d/>
-    <dgm:txPr/>
-    <dgm:style>
-      <a:lnRef idx="2">
-        <a:scrgbClr r="0" g="0" b="0"/>
-      </a:lnRef>
-      <a:fillRef idx="1">
-        <a:scrgbClr r="0" g="0" b="0"/>
-      </a:fillRef>
-      <a:effectRef idx="0">
-        <a:scrgbClr r="0" g="0" b="0"/>
-      </a:effectRef>
-      <a:fontRef idx="minor">
-        <a:schemeClr val="lt1"/>
-      </a:fontRef>
-    </dgm:style>
-  </dgm:styleLbl>
-  <dgm:styleLbl name="asst4">
-    <dgm:scene3d>
-      <a:camera prst="orthographicFront"/>
-      <a:lightRig rig="threePt" dir="t"/>
-    </dgm:scene3d>
-    <dgm:sp3d/>
-    <dgm:txPr/>
-    <dgm:style>
-      <a:lnRef idx="2">
-        <a:scrgbClr r="0" g="0" b="0"/>
-      </a:lnRef>
-      <a:fillRef idx="1">
-        <a:scrgbClr r="0" g="0" b="0"/>
-      </a:fillRef>
-      <a:effectRef idx="0">
-        <a:scrgbClr r="0" g="0" b="0"/>
-      </a:effectRef>
-      <a:fontRef idx="minor">
-        <a:schemeClr val="lt1"/>
-      </a:fontRef>
-    </dgm:style>
-  </dgm:styleLbl>
-  <dgm:styleLbl name="parChTrans2D1">
-    <dgm:scene3d>
-      <a:camera prst="orthographicFront"/>
-      <a:lightRig rig="threePt" dir="t"/>
-    </dgm:scene3d>
-    <dgm:sp3d/>
-    <dgm:txPr/>
-    <dgm:style>
-      <a:lnRef idx="2">
-        <a:scrgbClr r="0" g="0" b="0"/>
-      </a:lnRef>
-      <a:fillRef idx="1">
-        <a:scrgbClr r="0" g="0" b="0"/>
-      </a:fillRef>
-      <a:effectRef idx="0">
-        <a:scrgbClr r="0" g="0" b="0"/>
-      </a:effectRef>
-      <a:fontRef idx="minor">
-        <a:schemeClr val="lt1"/>
-      </a:fontRef>
-    </dgm:style>
-  </dgm:styleLbl>
-  <dgm:styleLbl name="parChTrans2D2">
-    <dgm:scene3d>
-      <a:camera prst="orthographicFront"/>
-      <a:lightRig rig="threePt" dir="t"/>
-    </dgm:scene3d>
-    <dgm:sp3d/>
-    <dgm:txPr/>
-    <dgm:style>
-      <a:lnRef idx="2">
-        <a:scrgbClr r="0" g="0" b="0"/>
-      </a:lnRef>
-      <a:fillRef idx="1">
-        <a:scrgbClr r="0" g="0" b="0"/>
-      </a:fillRef>
-      <a:effectRef idx="0">
-        <a:scrgbClr r="0" g="0" b="0"/>
-      </a:effectRef>
-      <a:fontRef idx="minor">
-        <a:schemeClr val="lt1"/>
-      </a:fontRef>
-    </dgm:style>
-  </dgm:styleLbl>
-  <dgm:styleLbl name="parChTrans2D3">
-    <dgm:scene3d>
-      <a:camera prst="orthographicFront"/>
-      <a:lightRig rig="threePt" dir="t"/>
-    </dgm:scene3d>
-    <dgm:sp3d/>
-    <dgm:txPr/>
-    <dgm:style>
-      <a:lnRef idx="2">
-        <a:scrgbClr r="0" g="0" b="0"/>
-      </a:lnRef>
-      <a:fillRef idx="1">
-        <a:scrgbClr r="0" g="0" b="0"/>
-      </a:fillRef>
-      <a:effectRef idx="0">
-        <a:scrgbClr r="0" g="0" b="0"/>
-      </a:effectRef>
-      <a:fontRef idx="minor">
-        <a:schemeClr val="lt1"/>
-      </a:fontRef>
-    </dgm:style>
-  </dgm:styleLbl>
-  <dgm:styleLbl name="parChTrans2D4">
-    <dgm:scene3d>
-      <a:camera prst="orthographicFront"/>
-      <a:lightRig rig="threePt" dir="t"/>
-    </dgm:scene3d>
-    <dgm:sp3d/>
-    <dgm:txPr/>
-    <dgm:style>
-      <a:lnRef idx="2">
-        <a:scrgbClr r="0" g="0" b="0"/>
-      </a:lnRef>
-      <a:fillRef idx="1">
-        <a:scrgbClr r="0" g="0" b="0"/>
-      </a:fillRef>
-      <a:effectRef idx="0">
-        <a:scrgbClr r="0" g="0" b="0"/>
-      </a:effectRef>
-      <a:fontRef idx="minor">
-        <a:schemeClr val="lt1"/>
-      </a:fontRef>
-    </dgm:style>
-  </dgm:styleLbl>
-  <dgm:styleLbl name="parChTrans1D1">
-    <dgm:scene3d>
-      <a:camera prst="orthographicFront"/>
-      <a:lightRig rig="threePt" dir="t"/>
-    </dgm:scene3d>
-    <dgm:sp3d/>
-    <dgm:txPr/>
-    <dgm:style>
-      <a:lnRef idx="2">
-        <a:scrgbClr r="0" g="0" b="0"/>
-      </a:lnRef>
-      <a:fillRef idx="0">
-        <a:scrgbClr r="0" g="0" b="0"/>
-      </a:fillRef>
-      <a:effectRef idx="0">
-        <a:scrgbClr r="0" g="0" b="0"/>
-      </a:effectRef>
-      <a:fontRef idx="minor"/>
-    </dgm:style>
-  </dgm:styleLbl>
-  <dgm:styleLbl name="parChTrans1D2">
-    <dgm:scene3d>
-      <a:camera prst="orthographicFront"/>
-      <a:lightRig rig="threePt" dir="t"/>
-    </dgm:scene3d>
-    <dgm:sp3d/>
-    <dgm:txPr/>
-    <dgm:style>
-      <a:lnRef idx="2">
-        <a:scrgbClr r="0" g="0" b="0"/>
-      </a:lnRef>
-      <a:fillRef idx="0">
-        <a:scrgbClr r="0" g="0" b="0"/>
-      </a:fillRef>
-      <a:effectRef idx="0">
-        <a:scrgbClr r="0" g="0" b="0"/>
-      </a:effectRef>
-      <a:fontRef idx="minor"/>
-    </dgm:style>
-  </dgm:styleLbl>
-  <dgm:styleLbl name="parChTrans1D3">
-    <dgm:scene3d>
-      <a:camera prst="orthographicFront"/>
-      <a:lightRig rig="threePt" dir="t"/>
-    </dgm:scene3d>
-    <dgm:sp3d/>
-    <dgm:txPr/>
-    <dgm:style>
-      <a:lnRef idx="2">
-        <a:scrgbClr r="0" g="0" b="0"/>
-      </a:lnRef>
-      <a:fillRef idx="0">
-        <a:scrgbClr r="0" g="0" b="0"/>
-      </a:fillRef>
-      <a:effectRef idx="0">
-        <a:scrgbClr r="0" g="0" b="0"/>
-      </a:effectRef>
-      <a:fontRef idx="minor"/>
-    </dgm:style>
-  </dgm:styleLbl>
-  <dgm:styleLbl name="parChTrans1D4">
-    <dgm:scene3d>
-      <a:camera prst="orthographicFront"/>
-      <a:lightRig rig="threePt" dir="t"/>
-    </dgm:scene3d>
-    <dgm:sp3d/>
-    <dgm:txPr/>
-    <dgm:style>
-      <a:lnRef idx="2">
-        <a:scrgbClr r="0" g="0" b="0"/>
-      </a:lnRef>
-      <a:fillRef idx="0">
-        <a:scrgbClr r="0" g="0" b="0"/>
-      </a:fillRef>
-      <a:effectRef idx="0">
-        <a:scrgbClr r="0" g="0" b="0"/>
-      </a:effectRef>
-      <a:fontRef idx="minor"/>
-    </dgm:style>
-  </dgm:styleLbl>
-  <dgm:styleLbl name="fgAcc1">
-    <dgm:scene3d>
-      <a:camera prst="orthographicFront"/>
-      <a:lightRig rig="threePt" dir="t"/>
-    </dgm:scene3d>
-    <dgm:sp3d/>
-    <dgm:txPr/>
-    <dgm:style>
-      <a:lnRef idx="2">
-        <a:scrgbClr r="0" g="0" b="0"/>
-      </a:lnRef>
-      <a:fillRef idx="1">
-        <a:scrgbClr r="0" g="0" b="0"/>
-      </a:fillRef>
-      <a:effectRef idx="0">
-        <a:scrgbClr r="0" g="0" b="0"/>
-      </a:effectRef>
-      <a:fontRef idx="minor"/>
-    </dgm:style>
-  </dgm:styleLbl>
-  <dgm:styleLbl name="conFgAcc1">
-    <dgm:scene3d>
-      <a:camera prst="orthographicFront"/>
-      <a:lightRig rig="threePt" dir="t"/>
-    </dgm:scene3d>
-    <dgm:sp3d/>
-    <dgm:txPr/>
-    <dgm:style>
-      <a:lnRef idx="2">
-        <a:scrgbClr r="0" g="0" b="0"/>
-      </a:lnRef>
-      <a:fillRef idx="1">
-        <a:scrgbClr r="0" g="0" b="0"/>
-      </a:fillRef>
-      <a:effectRef idx="0">
-        <a:scrgbClr r="0" g="0" b="0"/>
-      </a:effectRef>
-      <a:fontRef idx="minor"/>
-    </dgm:style>
-  </dgm:styleLbl>
-  <dgm:styleLbl name="alignAcc1">
-    <dgm:scene3d>
-      <a:camera prst="orthographicFront"/>
-      <a:lightRig rig="threePt" dir="t"/>
-    </dgm:scene3d>
-    <dgm:sp3d/>
-    <dgm:txPr/>
-    <dgm:style>
-      <a:lnRef idx="2">
-        <a:scrgbClr r="0" g="0" b="0"/>
-      </a:lnRef>
-      <a:fillRef idx="1">
-        <a:scrgbClr r="0" g="0" b="0"/>
-      </a:fillRef>
-      <a:effectRef idx="0">
-        <a:scrgbClr r="0" g="0" b="0"/>
-      </a:effectRef>
-      <a:fontRef idx="minor"/>
-    </dgm:style>
-  </dgm:styleLbl>
-  <dgm:styleLbl name="trAlignAcc1">
-    <dgm:scene3d>
-      <a:camera prst="orthographicFront"/>
-      <a:lightRig rig="threePt" dir="t"/>
-    </dgm:scene3d>
-    <dgm:sp3d/>
-    <dgm:txPr/>
-    <dgm:style>
-      <a:lnRef idx="1">
-        <a:scrgbClr r="0" g="0" b="0"/>
-      </a:lnRef>
-      <a:fillRef idx="1">
-        <a:scrgbClr r="0" g="0" b="0"/>
-      </a:fillRef>
-      <a:effectRef idx="0">
-        <a:scrgbClr r="0" g="0" b="0"/>
-      </a:effectRef>
-      <a:fontRef idx="minor"/>
-    </dgm:style>
-  </dgm:styleLbl>
-  <dgm:styleLbl name="bgAcc1">
-    <dgm:scene3d>
-      <a:camera prst="orthographicFront"/>
-      <a:lightRig rig="threePt" dir="t"/>
-    </dgm:scene3d>
-    <dgm:sp3d/>
-    <dgm:txPr/>
-    <dgm:style>
-      <a:lnRef idx="2">
-        <a:scrgbClr r="0" g="0" b="0"/>
-      </a:lnRef>
-      <a:fillRef idx="1">
-        <a:scrgbClr r="0" g="0" b="0"/>
-      </a:fillRef>
-      <a:effectRef idx="0">
-        <a:scrgbClr r="0" g="0" b="0"/>
-      </a:effectRef>
-      <a:fontRef idx="minor"/>
-    </dgm:style>
-  </dgm:styleLbl>
-  <dgm:styleLbl name="solidFgAcc1">
-    <dgm:scene3d>
-      <a:camera prst="orthographicFront"/>
-      <a:lightRig rig="threePt" dir="t"/>
-    </dgm:scene3d>
-    <dgm:sp3d/>
-    <dgm:txPr/>
-    <dgm:style>
-      <a:lnRef idx="2">
-        <a:scrgbClr r="0" g="0" b="0"/>
-      </a:lnRef>
-      <a:fillRef idx="1">
-        <a:scrgbClr r="0" g="0" b="0"/>
-      </a:fillRef>
-      <a:effectRef idx="0">
-        <a:scrgbClr r="0" g="0" b="0"/>
-      </a:effectRef>
-      <a:fontRef idx="minor"/>
-    </dgm:style>
-  </dgm:styleLbl>
-  <dgm:styleLbl name="solidAlignAcc1">
-    <dgm:scene3d>
-      <a:camera prst="orthographicFront"/>
-      <a:lightRig rig="threePt" dir="t"/>
-    </dgm:scene3d>
-    <dgm:sp3d/>
-    <dgm:txPr/>
-    <dgm:style>
-      <a:lnRef idx="2">
-        <a:scrgbClr r="0" g="0" b="0"/>
-      </a:lnRef>
-      <a:fillRef idx="1">
-        <a:scrgbClr r="0" g="0" b="0"/>
-      </a:fillRef>
-      <a:effectRef idx="0">
-        <a:scrgbClr r="0" g="0" b="0"/>
-      </a:effectRef>
-      <a:fontRef idx="minor"/>
-    </dgm:style>
-  </dgm:styleLbl>
-  <dgm:styleLbl name="solidBgAcc1">
-    <dgm:scene3d>
-      <a:camera prst="orthographicFront"/>
-      <a:lightRig rig="threePt" dir="t"/>
-    </dgm:scene3d>
-    <dgm:sp3d/>
-    <dgm:txPr/>
-    <dgm:style>
-      <a:lnRef idx="2">
-        <a:scrgbClr r="0" g="0" b="0"/>
-      </a:lnRef>
-      <a:fillRef idx="1">
-        <a:scrgbClr r="0" g="0" b="0"/>
-      </a:fillRef>
-      <a:effectRef idx="0">
-        <a:scrgbClr r="0" g="0" b="0"/>
-      </a:effectRef>
-      <a:fontRef idx="minor"/>
-    </dgm:style>
-  </dgm:styleLbl>
-  <dgm:styleLbl name="fgAccFollowNode1">
-    <dgm:scene3d>
-      <a:camera prst="orthographicFront"/>
-      <a:lightRig rig="threePt" dir="t"/>
-    </dgm:scene3d>
-    <dgm:sp3d/>
-    <dgm:txPr/>
-    <dgm:style>
-      <a:lnRef idx="2">
-        <a:scrgbClr r="0" g="0" b="0"/>
-      </a:lnRef>
-      <a:fillRef idx="1">
-        <a:scrgbClr r="0" g="0" b="0"/>
-      </a:fillRef>
-      <a:effectRef idx="0">
-        <a:scrgbClr r="0" g="0" b="0"/>
-      </a:effectRef>
-      <a:fontRef idx="minor"/>
-    </dgm:style>
-  </dgm:styleLbl>
-  <dgm:styleLbl name="alignAccFollowNode1">
-    <dgm:scene3d>
-      <a:camera prst="orthographicFront"/>
-      <a:lightRig rig="threePt" dir="t"/>
-    </dgm:scene3d>
-    <dgm:sp3d/>
-    <dgm:txPr/>
-    <dgm:style>
-      <a:lnRef idx="2">
-        <a:scrgbClr r="0" g="0" b="0"/>
-      </a:lnRef>
-      <a:fillRef idx="1">
-        <a:scrgbClr r="0" g="0" b="0"/>
-      </a:fillRef>
-      <a:effectRef idx="0">
-        <a:scrgbClr r="0" g="0" b="0"/>
-      </a:effectRef>
-      <a:fontRef idx="minor"/>
-    </dgm:style>
-  </dgm:styleLbl>
-  <dgm:styleLbl name="bgAccFollowNode1">
-    <dgm:scene3d>
-      <a:camera prst="orthographicFront"/>
-      <a:lightRig rig="threePt" dir="t"/>
-    </dgm:scene3d>
-    <dgm:sp3d/>
-    <dgm:txPr/>
-    <dgm:style>
-      <a:lnRef idx="2">
-        <a:scrgbClr r="0" g="0" b="0"/>
-      </a:lnRef>
-      <a:fillRef idx="1">
-        <a:scrgbClr r="0" g="0" b="0"/>
-      </a:fillRef>
-      <a:effectRef idx="0">
-        <a:scrgbClr r="0" g="0" b="0"/>
-      </a:effectRef>
-      <a:fontRef idx="minor"/>
-    </dgm:style>
-  </dgm:styleLbl>
-  <dgm:styleLbl name="fgAcc0">
-    <dgm:scene3d>
-      <a:camera prst="orthographicFront"/>
-      <a:lightRig rig="threePt" dir="t"/>
-    </dgm:scene3d>
-    <dgm:sp3d/>
-    <dgm:txPr/>
-    <dgm:style>
-      <a:lnRef idx="2">
-        <a:scrgbClr r="0" g="0" b="0"/>
-      </a:lnRef>
-      <a:fillRef idx="1">
-        <a:scrgbClr r="0" g="0" b="0"/>
-      </a:fillRef>
-      <a:effectRef idx="0">
-        <a:scrgbClr r="0" g="0" b="0"/>
-      </a:effectRef>
-      <a:fontRef idx="minor"/>
-    </dgm:style>
-  </dgm:styleLbl>
-  <dgm:styleLbl name="fgAcc2">
-    <dgm:scene3d>
-      <a:camera prst="orthographicFront"/>
-      <a:lightRig rig="threePt" dir="t"/>
-    </dgm:scene3d>
-    <dgm:sp3d/>
-    <dgm:txPr/>
-    <dgm:style>
-      <a:lnRef idx="2">
-        <a:scrgbClr r="0" g="0" b="0"/>
-      </a:lnRef>
-      <a:fillRef idx="1">
-        <a:scrgbClr r="0" g="0" b="0"/>
-      </a:fillRef>
-      <a:effectRef idx="0">
-        <a:scrgbClr r="0" g="0" b="0"/>
-      </a:effectRef>
-      <a:fontRef idx="minor"/>
-    </dgm:style>
-  </dgm:styleLbl>
-  <dgm:styleLbl name="fgAcc3">
-    <dgm:scene3d>
-      <a:camera prst="orthographicFront"/>
-      <a:lightRig rig="threePt" dir="t"/>
-    </dgm:scene3d>
-    <dgm:sp3d/>
-    <dgm:txPr/>
-    <dgm:style>
-      <a:lnRef idx="2">
-        <a:scrgbClr r="0" g="0" b="0"/>
-      </a:lnRef>
-      <a:fillRef idx="1">
-        <a:scrgbClr r="0" g="0" b="0"/>
-      </a:fillRef>
-      <a:effectRef idx="0">
-        <a:scrgbClr r="0" g="0" b="0"/>
-      </a:effectRef>
-      <a:fontRef idx="minor"/>
-    </dgm:style>
-  </dgm:styleLbl>
-  <dgm:styleLbl name="fgAcc4">
-    <dgm:scene3d>
-      <a:camera prst="orthographicFront"/>
-      <a:lightRig rig="threePt" dir="t"/>
-    </dgm:scene3d>
-    <dgm:sp3d/>
-    <dgm:txPr/>
-    <dgm:style>
-      <a:lnRef idx="2">
-        <a:scrgbClr r="0" g="0" b="0"/>
-      </a:lnRef>
-      <a:fillRef idx="1">
-        <a:scrgbClr r="0" g="0" b="0"/>
-      </a:fillRef>
-      <a:effectRef idx="0">
-        <a:scrgbClr r="0" g="0" b="0"/>
-      </a:effectRef>
-      <a:fontRef idx="minor"/>
-    </dgm:style>
-  </dgm:styleLbl>
-  <dgm:styleLbl name="bgShp">
-    <dgm:scene3d>
-      <a:camera prst="orthographicFront"/>
-      <a:lightRig rig="threePt" dir="t"/>
-    </dgm:scene3d>
-    <dgm:sp3d/>
-    <dgm:txPr/>
-    <dgm:style>
-      <a:lnRef idx="0">
-        <a:scrgbClr r="0" g="0" b="0"/>
-      </a:lnRef>
-      <a:fillRef idx="1">
-        <a:scrgbClr r="0" g="0" b="0"/>
-      </a:fillRef>
-      <a:effectRef idx="0">
-        <a:scrgbClr r="0" g="0" b="0"/>
-      </a:effectRef>
-      <a:fontRef idx="minor"/>
-    </dgm:style>
-  </dgm:styleLbl>
-  <dgm:styleLbl name="dkBgShp">
-    <dgm:scene3d>
-      <a:camera prst="orthographicFront"/>
-      <a:lightRig rig="threePt" dir="t"/>
-    </dgm:scene3d>
-    <dgm:sp3d/>
-    <dgm:txPr/>
-    <dgm:style>
-      <a:lnRef idx="0">
-        <a:scrgbClr r="0" g="0" b="0"/>
-      </a:lnRef>
-      <a:fillRef idx="1">
-        <a:scrgbClr r="0" g="0" b="0"/>
-      </a:fillRef>
-      <a:effectRef idx="0">
-        <a:scrgbClr r="0" g="0" b="0"/>
-      </a:effectRef>
-      <a:fontRef idx="minor"/>
-    </dgm:style>
-  </dgm:styleLbl>
-  <dgm:styleLbl name="trBgShp">
-    <dgm:scene3d>
-      <a:camera prst="orthographicFront"/>
-      <a:lightRig rig="threePt" dir="t"/>
-    </dgm:scene3d>
-    <dgm:sp3d/>
-    <dgm:txPr/>
-    <dgm:style>
-      <a:lnRef idx="0">
-        <a:scrgbClr r="0" g="0" b="0"/>
-      </a:lnRef>
-      <a:fillRef idx="1">
-        <a:scrgbClr r="0" g="0" b="0"/>
-      </a:fillRef>
-      <a:effectRef idx="0">
-        <a:scrgbClr r="0" g="0" b="0"/>
-      </a:effectRef>
-      <a:fontRef idx="minor"/>
-    </dgm:style>
-  </dgm:styleLbl>
-  <dgm:styleLbl name="fgShp">
-    <dgm:scene3d>
-      <a:camera prst="orthographicFront"/>
-      <a:lightRig rig="threePt" dir="t"/>
-    </dgm:scene3d>
-    <dgm:sp3d/>
-    <dgm:txPr/>
-    <dgm:style>
-      <a:lnRef idx="2">
-        <a:scrgbClr r="0" g="0" b="0"/>
-      </a:lnRef>
-      <a:fillRef idx="1">
-        <a:scrgbClr r="0" g="0" b="0"/>
-      </a:fillRef>
-      <a:effectRef idx="0">
-        <a:scrgbClr r="0" g="0" b="0"/>
-      </a:effectRef>
-      <a:fontRef idx="minor"/>
-    </dgm:style>
-  </dgm:styleLbl>
-  <dgm:styleLbl name="revTx">
-    <dgm:scene3d>
-      <a:camera prst="orthographicFront"/>
-      <a:lightRig rig="threePt" dir="t"/>
-    </dgm:scene3d>
-    <dgm:sp3d/>
-    <dgm:txPr/>
-    <dgm:style>
-      <a:lnRef idx="0">
-        <a:scrgbClr r="0" g="0" b="0"/>
-      </a:lnRef>
-      <a:fillRef idx="0">
-        <a:scrgbClr r="0" g="0" b="0"/>
-      </a:fillRef>
-      <a:effectRef idx="0">
-        <a:scrgbClr r="0" g="0" b="0"/>
-      </a:effectRef>
-      <a:fontRef idx="minor"/>
-    </dgm:style>
-  </dgm:styleLbl>
-</dgm:styleDef>
-</file>
-
-<file path=ppt/diagrams/quickStyle3.xml><?xml version="1.0" encoding="utf-8"?>
 <dgm:styleDef xmlns:dgm="http://schemas.openxmlformats.org/drawingml/2006/diagram" xmlns:a="http://schemas.openxmlformats.org/drawingml/2006/main" uniqueId="urn:microsoft.com/office/officeart/2005/8/quickstyle/simple1">
   <dgm:title val=""/>
   <dgm:desc val=""/>
@@ -10973,7 +8521,7 @@
         </p:nvSpPr>
         <p:spPr>
           <a:xfrm>
-            <a:off x="1524000" y="2092750"/>
+            <a:off x="1448586" y="2335359"/>
             <a:ext cx="9144000" cy="2187281"/>
           </a:xfrm>
           <a:solidFill>
@@ -11092,7 +8640,7 @@
         <p:spPr>
           <a:xfrm>
             <a:off x="603316" y="967544"/>
-            <a:ext cx="10652289" cy="4401205"/>
+            <a:ext cx="10652289" cy="5016758"/>
           </a:xfrm>
           <a:prstGeom prst="rect">
             <a:avLst/>
@@ -11107,7 +8655,7 @@
           <a:p>
             <a:r>
               <a:rPr lang="en-US" sz="2000" dirty="0"/>
-              <a:t>1. Why service executives taking so much of time, while understanding/redressing client query?</a:t>
+              <a:t>1. Find out why service executives taking so much of time, while understanding/redressing client query?</a:t>
             </a:r>
           </a:p>
           <a:p>
@@ -11165,7 +8713,15 @@
           <a:p>
             <a:r>
               <a:rPr lang="en-IN" sz="2000" dirty="0"/>
-              <a:t>3. As (67.7%) customers are preferring non-verbal communication, ask the service executives to be more proactive. (Create standard operating procedure to reduce service time and service failure).</a:t>
+              <a:t>3. As (67.7%) customers are preferring online/digital communication, ask the service executives to be more proactive. (Create standard operating procedure to reduce service time &amp; service failure, while resolving issues recorded through </a:t>
+            </a:r>
+            <a:r>
+              <a:rPr lang="en-US" sz="2000" dirty="0"/>
+              <a:t>Chatbot, Email, and Web mode</a:t>
+            </a:r>
+            <a:r>
+              <a:rPr lang="en-IN" sz="2000" dirty="0"/>
+              <a:t>).</a:t>
             </a:r>
           </a:p>
           <a:p>
@@ -11174,7 +8730,7 @@
           <a:p>
             <a:r>
               <a:rPr lang="en-IN" sz="2000" dirty="0"/>
-              <a:t>4. Make non-verbal communication mode more interactive (Animations &amp; Coupons).</a:t>
+              <a:t>4. Make digital/online communication mode more interactive (Animations &amp; Coupons).</a:t>
             </a:r>
             <a:endParaRPr lang="en-US" sz="2000" dirty="0"/>
           </a:p>
@@ -11294,7 +8850,7 @@
         </p:nvSpPr>
         <p:spPr>
           <a:xfrm>
-            <a:off x="555396" y="241250"/>
+            <a:off x="0" y="0"/>
             <a:ext cx="10515600" cy="1325563"/>
           </a:xfrm>
         </p:spPr>
@@ -11305,10 +8861,10 @@
           <a:lstStyle/>
           <a:p>
             <a:r>
-              <a:rPr lang="en-US" b="1" dirty="0"/>
+              <a:rPr lang="en-US" sz="3600" b="1" dirty="0"/>
               <a:t>1. Business Understanding-</a:t>
             </a:r>
-            <a:endParaRPr lang="en-IN" b="1" dirty="0"/>
+            <a:endParaRPr lang="en-IN" sz="3600" b="1" dirty="0"/>
           </a:p>
         </p:txBody>
       </p:sp>
@@ -11330,6 +8886,67 @@
           <a:xfrm>
             <a:off x="838200" y="1365939"/>
             <a:ext cx="10515600" cy="792800"/>
+          </a:xfrm>
+          <a:prstGeom prst="rect">
+            <a:avLst/>
+          </a:prstGeom>
+        </p:spPr>
+        <p:txBody>
+          <a:bodyPr vert="horz" lIns="91440" tIns="45720" rIns="91440" bIns="45720" rtlCol="0" anchor="ctr">
+            <a:noAutofit/>
+          </a:bodyPr>
+          <a:lstStyle>
+            <a:lvl1pPr algn="l" defTabSz="914400" rtl="0" eaLnBrk="1" latinLnBrk="0" hangingPunct="1">
+              <a:lnSpc>
+                <a:spcPct val="90000"/>
+              </a:lnSpc>
+              <a:spcBef>
+                <a:spcPct val="0"/>
+              </a:spcBef>
+              <a:buNone/>
+              <a:defRPr sz="4400" kern="1200">
+                <a:solidFill>
+                  <a:schemeClr val="tx1"/>
+                </a:solidFill>
+                <a:latin typeface="+mj-lt"/>
+                <a:ea typeface="+mj-ea"/>
+                <a:cs typeface="+mj-cs"/>
+              </a:defRPr>
+            </a:lvl1pPr>
+          </a:lstStyle>
+          <a:p>
+            <a:pPr>
+              <a:lnSpc>
+                <a:spcPct val="150000"/>
+              </a:lnSpc>
+            </a:pPr>
+            <a:r>
+              <a:rPr lang="en-US" sz="2000" dirty="0">
+                <a:latin typeface="+mn-lt"/>
+              </a:rPr>
+              <a:t>Nile is an e-commerce company and operates online, selling products. Customer service in these companies resolves issues like delivery problems, product defects, refunds, and order tracking through communication channels.</a:t>
+            </a:r>
+          </a:p>
+        </p:txBody>
+      </p:sp>
+      <p:sp>
+        <p:nvSpPr>
+          <p:cNvPr id="4" name="Title 1">
+            <a:extLst>
+              <a:ext uri="{FF2B5EF4-FFF2-40B4-BE49-F238E27FC236}">
+                <a16:creationId xmlns:a16="http://schemas.microsoft.com/office/drawing/2014/main" id="{308235B0-884C-E76C-956D-34DFB8323711}"/>
+              </a:ext>
+            </a:extLst>
+          </p:cNvPr>
+          <p:cNvSpPr txBox="1">
+            <a:spLocks/>
+          </p:cNvSpPr>
+          <p:nvPr/>
+        </p:nvSpPr>
+        <p:spPr>
+          <a:xfrm>
+            <a:off x="0" y="2649247"/>
+            <a:ext cx="10515600" cy="695538"/>
           </a:xfrm>
           <a:prstGeom prst="rect">
             <a:avLst/>
@@ -11360,64 +8977,10 @@
           </a:lstStyle>
           <a:p>
             <a:r>
-              <a:rPr lang="en-US" sz="3600" dirty="0"/>
-              <a:t>Nile- E-commerce Company</a:t>
+              <a:rPr lang="en-US" sz="3600" b="1" dirty="0"/>
+              <a:t>2. Data Understanding- </a:t>
             </a:r>
-          </a:p>
-        </p:txBody>
-      </p:sp>
-      <p:sp>
-        <p:nvSpPr>
-          <p:cNvPr id="4" name="Title 1">
-            <a:extLst>
-              <a:ext uri="{FF2B5EF4-FFF2-40B4-BE49-F238E27FC236}">
-                <a16:creationId xmlns:a16="http://schemas.microsoft.com/office/drawing/2014/main" id="{308235B0-884C-E76C-956D-34DFB8323711}"/>
-              </a:ext>
-            </a:extLst>
-          </p:cNvPr>
-          <p:cNvSpPr txBox="1">
-            <a:spLocks/>
-          </p:cNvSpPr>
-          <p:nvPr/>
-        </p:nvSpPr>
-        <p:spPr>
-          <a:xfrm>
-            <a:off x="667996" y="2301395"/>
-            <a:ext cx="10515600" cy="1004427"/>
-          </a:xfrm>
-          <a:prstGeom prst="rect">
-            <a:avLst/>
-          </a:prstGeom>
-        </p:spPr>
-        <p:txBody>
-          <a:bodyPr vert="horz" lIns="91440" tIns="45720" rIns="91440" bIns="45720" rtlCol="0" anchor="ctr">
-            <a:normAutofit/>
-          </a:bodyPr>
-          <a:lstStyle>
-            <a:lvl1pPr algn="l" defTabSz="914400" rtl="0" eaLnBrk="1" latinLnBrk="0" hangingPunct="1">
-              <a:lnSpc>
-                <a:spcPct val="90000"/>
-              </a:lnSpc>
-              <a:spcBef>
-                <a:spcPct val="0"/>
-              </a:spcBef>
-              <a:buNone/>
-              <a:defRPr sz="4400" kern="1200">
-                <a:solidFill>
-                  <a:schemeClr val="tx1"/>
-                </a:solidFill>
-                <a:latin typeface="+mj-lt"/>
-                <a:ea typeface="+mj-ea"/>
-                <a:cs typeface="+mj-cs"/>
-              </a:defRPr>
-            </a:lvl1pPr>
-          </a:lstStyle>
-          <a:p>
-            <a:r>
-              <a:rPr lang="en-US" b="1" dirty="0"/>
-              <a:t>2. Data Understanding-</a:t>
-            </a:r>
-            <a:endParaRPr lang="en-IN" b="1" dirty="0"/>
+            <a:endParaRPr lang="en-IN" sz="3600" b="1" dirty="0"/>
           </a:p>
         </p:txBody>
       </p:sp>
@@ -11434,14 +8997,14 @@
           <p:nvPr>
             <p:extLst>
               <p:ext uri="{D42A27DB-BD31-4B8C-83A1-F6EECF244321}">
-                <p14:modId xmlns:p14="http://schemas.microsoft.com/office/powerpoint/2010/main" val="2295647182"/>
+                <p14:modId xmlns:p14="http://schemas.microsoft.com/office/powerpoint/2010/main" val="2674374816"/>
               </p:ext>
             </p:extLst>
           </p:nvPr>
         </p:nvGraphicFramePr>
         <p:xfrm>
-          <a:off x="482340" y="3449424"/>
-          <a:ext cx="5443456" cy="3231649"/>
+          <a:off x="1394383" y="3237486"/>
+          <a:ext cx="3863417" cy="3231649"/>
         </p:xfrm>
         <a:graphic>
           <a:graphicData uri="http://schemas.openxmlformats.org/drawingml/2006/diagram">
@@ -11462,14 +9025,14 @@
           <p:nvPr>
             <p:extLst>
               <p:ext uri="{D42A27DB-BD31-4B8C-83A1-F6EECF244321}">
-                <p14:modId xmlns:p14="http://schemas.microsoft.com/office/powerpoint/2010/main" val="2655497396"/>
+                <p14:modId xmlns:p14="http://schemas.microsoft.com/office/powerpoint/2010/main" val="1964423988"/>
               </p:ext>
             </p:extLst>
           </p:nvPr>
         </p:nvGraphicFramePr>
         <p:xfrm>
-          <a:off x="6266206" y="3099687"/>
-          <a:ext cx="5443455" cy="2473914"/>
+          <a:off x="6266208" y="3261834"/>
+          <a:ext cx="3863417" cy="2473914"/>
         </p:xfrm>
         <a:graphic>
           <a:graphicData uri="http://schemas.openxmlformats.org/drawingml/2006/diagram">
@@ -11525,19 +9088,21 @@
         </p:nvSpPr>
         <p:spPr>
           <a:xfrm>
-            <a:off x="772212" y="1"/>
+            <a:off x="0" y="0"/>
             <a:ext cx="10515600" cy="980388"/>
           </a:xfrm>
         </p:spPr>
         <p:txBody>
-          <a:bodyPr/>
+          <a:bodyPr>
+            <a:normAutofit/>
+          </a:bodyPr>
           <a:lstStyle/>
           <a:p>
             <a:r>
-              <a:rPr lang="en-US" b="1" dirty="0"/>
+              <a:rPr lang="en-US" sz="3600" b="1" dirty="0"/>
               <a:t>3. Data Preparation-</a:t>
             </a:r>
-            <a:endParaRPr lang="en-IN" b="1" dirty="0"/>
+            <a:endParaRPr lang="en-IN" sz="3600" b="1" dirty="0"/>
           </a:p>
         </p:txBody>
       </p:sp>
@@ -11557,8 +9122,8 @@
         </p:nvSpPr>
         <p:spPr>
           <a:xfrm>
-            <a:off x="1300113" y="838986"/>
-            <a:ext cx="10515600" cy="2394408"/>
+            <a:off x="838200" y="820133"/>
+            <a:ext cx="10515600" cy="3789575"/>
           </a:xfrm>
           <a:prstGeom prst="rect">
             <a:avLst/>
@@ -11566,7 +9131,7 @@
         </p:spPr>
         <p:txBody>
           <a:bodyPr vert="horz" lIns="91440" tIns="45720" rIns="91440" bIns="45720" rtlCol="0" anchor="ctr">
-            <a:normAutofit/>
+            <a:normAutofit fontScale="77500" lnSpcReduction="20000"/>
           </a:bodyPr>
           <a:lstStyle>
             <a:lvl1pPr algn="l" defTabSz="914400" rtl="0" eaLnBrk="1" latinLnBrk="0" hangingPunct="1">
@@ -11588,16 +9153,16 @@
             </a:lvl1pPr>
           </a:lstStyle>
           <a:p>
-            <a:pPr marL="457200" indent="-457200">
+            <a:pPr>
               <a:lnSpc>
                 <a:spcPct val="150000"/>
               </a:lnSpc>
-              <a:buFont typeface="Arial" panose="020B0604020202020204" pitchFamily="34" charset="0"/>
-              <a:buChar char="•"/>
             </a:pPr>
             <a:r>
-              <a:rPr lang="en-US" sz="2800" b="1" dirty="0"/>
-              <a:t>Extraction of month &amp; date.</a:t>
+              <a:rPr lang="en-US" sz="3100" dirty="0">
+                <a:latin typeface="+mn-lt"/>
+              </a:rPr>
+              <a:t>Following operations were undertaken to transform the raw data into clean data for scalable analysis.</a:t>
             </a:r>
           </a:p>
           <a:p>
@@ -11609,8 +9174,22 @@
               <a:buChar char="•"/>
             </a:pPr>
             <a:r>
-              <a:rPr lang="en-US" sz="2800" b="1" dirty="0"/>
-              <a:t>Assigning value to customer sentiment.</a:t>
+              <a:rPr lang="en-US" sz="3100" dirty="0">
+                <a:latin typeface="+mn-lt"/>
+              </a:rPr>
+              <a:t>Extraction of year, month, and date from </a:t>
+            </a:r>
+            <a:r>
+              <a:rPr lang="en-US" sz="3100" dirty="0" err="1">
+                <a:latin typeface="+mn-lt"/>
+              </a:rPr>
+              <a:t>date_time</a:t>
+            </a:r>
+            <a:r>
+              <a:rPr lang="en-US" sz="3100" dirty="0">
+                <a:latin typeface="+mn-lt"/>
+              </a:rPr>
+              <a:t> column.</a:t>
             </a:r>
           </a:p>
           <a:p>
@@ -11622,12 +9201,57 @@
               <a:buChar char="•"/>
             </a:pPr>
             <a:r>
-              <a:rPr lang="en-US" sz="2800" b="1" dirty="0"/>
-              <a:t>CSAT Score (Check for fill)</a:t>
+              <a:rPr lang="en-US" sz="3100" dirty="0">
+                <a:latin typeface="+mn-lt"/>
+              </a:rPr>
+              <a:t>Assigning value to customer sentiment, as it was measured on interval scale.</a:t>
             </a:r>
           </a:p>
           <a:p>
-            <a:endParaRPr lang="en-IN" b="1" dirty="0"/>
+            <a:pPr marL="457200" indent="-457200">
+              <a:lnSpc>
+                <a:spcPct val="150000"/>
+              </a:lnSpc>
+              <a:buFont typeface="Arial" panose="020B0604020202020204" pitchFamily="34" charset="0"/>
+              <a:buChar char="•"/>
+            </a:pPr>
+            <a:r>
+              <a:rPr lang="en-US" sz="3100" dirty="0">
+                <a:latin typeface="+mn-lt"/>
+              </a:rPr>
+              <a:t>Handling the missing values (Check for fill).</a:t>
+            </a:r>
+          </a:p>
+          <a:p>
+            <a:pPr marL="457200" indent="-457200">
+              <a:lnSpc>
+                <a:spcPct val="150000"/>
+              </a:lnSpc>
+              <a:buFont typeface="Arial" panose="020B0604020202020204" pitchFamily="34" charset="0"/>
+              <a:buChar char="•"/>
+            </a:pPr>
+            <a:r>
+              <a:rPr lang="en-US" sz="3100" dirty="0">
+                <a:latin typeface="+mn-lt"/>
+              </a:rPr>
+              <a:t>Custom grouping to classify states into three distinct categories.</a:t>
+            </a:r>
+          </a:p>
+          <a:p>
+            <a:pPr marL="457200" indent="-457200">
+              <a:lnSpc>
+                <a:spcPct val="150000"/>
+              </a:lnSpc>
+              <a:buFont typeface="Arial" panose="020B0604020202020204" pitchFamily="34" charset="0"/>
+              <a:buChar char="•"/>
+            </a:pPr>
+            <a:r>
+              <a:rPr lang="en-US" sz="3100" dirty="0">
+                <a:latin typeface="+mn-lt"/>
+              </a:rPr>
+              <a:t>Duplicates handling, sorting, and trimming the dataset.</a:t>
+            </a:r>
+            <a:endParaRPr lang="en-IN" dirty="0"/>
           </a:p>
         </p:txBody>
       </p:sp>
@@ -11647,8 +9271,8 @@
         </p:nvSpPr>
         <p:spPr>
           <a:xfrm>
-            <a:off x="772212" y="2743200"/>
-            <a:ext cx="10515600" cy="980388"/>
+            <a:off x="0" y="4590854"/>
+            <a:ext cx="9266548" cy="980388"/>
           </a:xfrm>
           <a:prstGeom prst="rect">
             <a:avLst/>
@@ -11679,141 +9303,10 @@
           </a:lstStyle>
           <a:p>
             <a:r>
-              <a:rPr lang="en-US" b="1" dirty="0"/>
-              <a:t>4. Chart Preparation &amp; Dashboard Creation-</a:t>
+              <a:rPr lang="en-US" sz="3600" b="1" dirty="0"/>
+              <a:t>4. Development of Interactive Dashboard-</a:t>
             </a:r>
-            <a:endParaRPr lang="en-IN" b="1" dirty="0"/>
-          </a:p>
-        </p:txBody>
-      </p:sp>
-      <p:graphicFrame>
-        <p:nvGraphicFramePr>
-          <p:cNvPr id="6" name="Diagram 5">
-            <a:extLst>
-              <a:ext uri="{FF2B5EF4-FFF2-40B4-BE49-F238E27FC236}">
-                <a16:creationId xmlns:a16="http://schemas.microsoft.com/office/drawing/2014/main" id="{C047DD4A-58CD-00DD-AC39-C7325180E990}"/>
-              </a:ext>
-            </a:extLst>
-          </p:cNvPr>
-          <p:cNvGraphicFramePr/>
-          <p:nvPr>
-            <p:extLst>
-              <p:ext uri="{D42A27DB-BD31-4B8C-83A1-F6EECF244321}">
-                <p14:modId xmlns:p14="http://schemas.microsoft.com/office/powerpoint/2010/main" val="1843210472"/>
-              </p:ext>
-            </p:extLst>
-          </p:nvPr>
-        </p:nvGraphicFramePr>
-        <p:xfrm>
-          <a:off x="1466392" y="3610468"/>
-          <a:ext cx="6037344" cy="3023209"/>
-        </p:xfrm>
-        <a:graphic>
-          <a:graphicData uri="http://schemas.openxmlformats.org/drawingml/2006/diagram">
-            <dgm:relIds xmlns:dgm="http://schemas.openxmlformats.org/drawingml/2006/diagram" xmlns:r="http://schemas.openxmlformats.org/officeDocument/2006/relationships" r:dm="rId2" r:lo="rId3" r:qs="rId4" r:cs="rId5"/>
-          </a:graphicData>
-        </a:graphic>
-      </p:graphicFrame>
-      <p:sp>
-        <p:nvSpPr>
-          <p:cNvPr id="7" name="Rectangle: Rounded Corners 6">
-            <a:extLst>
-              <a:ext uri="{FF2B5EF4-FFF2-40B4-BE49-F238E27FC236}">
-                <a16:creationId xmlns:a16="http://schemas.microsoft.com/office/drawing/2014/main" id="{0C9B57CA-CC49-ADA9-187C-0988CFEB563A}"/>
-              </a:ext>
-            </a:extLst>
-          </p:cNvPr>
-          <p:cNvSpPr/>
-          <p:nvPr/>
-        </p:nvSpPr>
-        <p:spPr>
-          <a:xfrm>
-            <a:off x="8173039" y="3921551"/>
-            <a:ext cx="3553905" cy="2469822"/>
-          </a:xfrm>
-          <a:prstGeom prst="roundRect">
-            <a:avLst/>
-          </a:prstGeom>
-        </p:spPr>
-        <p:style>
-          <a:lnRef idx="2">
-            <a:schemeClr val="accent1">
-              <a:shade val="15000"/>
-            </a:schemeClr>
-          </a:lnRef>
-          <a:fillRef idx="1">
-            <a:schemeClr val="accent1"/>
-          </a:fillRef>
-          <a:effectRef idx="0">
-            <a:schemeClr val="accent1"/>
-          </a:effectRef>
-          <a:fontRef idx="minor">
-            <a:schemeClr val="lt1"/>
-          </a:fontRef>
-        </p:style>
-        <p:txBody>
-          <a:bodyPr rtlCol="0" anchor="ctr"/>
-          <a:lstStyle/>
-          <a:p>
-            <a:pPr algn="ctr">
-              <a:lnSpc>
-                <a:spcPct val="200000"/>
-              </a:lnSpc>
-            </a:pPr>
-            <a:r>
-              <a:rPr lang="en-US" dirty="0"/>
-              <a:t>Optimize Customer Service Processes            Enhance Customer Experience</a:t>
-            </a:r>
-            <a:endParaRPr lang="en-IN" dirty="0"/>
-          </a:p>
-        </p:txBody>
-      </p:sp>
-      <p:sp>
-        <p:nvSpPr>
-          <p:cNvPr id="8" name="Arrow: Right 7">
-            <a:extLst>
-              <a:ext uri="{FF2B5EF4-FFF2-40B4-BE49-F238E27FC236}">
-                <a16:creationId xmlns:a16="http://schemas.microsoft.com/office/drawing/2014/main" id="{EA052F33-95E4-478F-18DC-B1A31C25E6CA}"/>
-              </a:ext>
-            </a:extLst>
-          </p:cNvPr>
-          <p:cNvSpPr/>
-          <p:nvPr/>
-        </p:nvSpPr>
-        <p:spPr>
-          <a:xfrm>
-            <a:off x="9803876" y="5122071"/>
-            <a:ext cx="443060" cy="320511"/>
-          </a:xfrm>
-          <a:prstGeom prst="rightArrow">
-            <a:avLst/>
-          </a:prstGeom>
-          <a:solidFill>
-            <a:schemeClr val="bg1"/>
-          </a:solidFill>
-        </p:spPr>
-        <p:style>
-          <a:lnRef idx="2">
-            <a:schemeClr val="accent1">
-              <a:shade val="15000"/>
-            </a:schemeClr>
-          </a:lnRef>
-          <a:fillRef idx="1">
-            <a:schemeClr val="accent1"/>
-          </a:fillRef>
-          <a:effectRef idx="0">
-            <a:schemeClr val="accent1"/>
-          </a:effectRef>
-          <a:fontRef idx="minor">
-            <a:schemeClr val="lt1"/>
-          </a:fontRef>
-        </p:style>
-        <p:txBody>
-          <a:bodyPr rtlCol="0" anchor="ctr"/>
-          <a:lstStyle/>
-          <a:p>
-            <a:pPr algn="ctr"/>
-            <a:endParaRPr lang="en-IN"/>
+            <a:endParaRPr lang="en-IN" sz="3600" b="1" dirty="0"/>
           </a:p>
         </p:txBody>
       </p:sp>
@@ -14884,8 +12377,8 @@
         </p:nvSpPr>
         <p:spPr>
           <a:xfrm>
-            <a:off x="2754198" y="4276577"/>
-            <a:ext cx="6683604" cy="2308324"/>
+            <a:off x="1528713" y="4276577"/>
+            <a:ext cx="9134574" cy="2585323"/>
           </a:xfrm>
           <a:prstGeom prst="rect">
             <a:avLst/>
@@ -14907,7 +12400,7 @@
             </a:pPr>
             <a:r>
               <a:rPr lang="en-US" dirty="0"/>
-              <a:t>In 2020 October month registered maximum complaints (63.9%).</a:t>
+              <a:t>In 2020, the October month registered maximum no of complaints (63.9%).</a:t>
             </a:r>
           </a:p>
           <a:p>
@@ -14933,7 +12426,7 @@
             </a:pPr>
             <a:r>
               <a:rPr lang="en-US" dirty="0"/>
-              <a:t>Communication Mode Used(Chatbot, Email, Web)- 67.7%</a:t>
+              <a:t>Communication mode used by customers (Chatbot, Email, Web)- 67.7%</a:t>
             </a:r>
           </a:p>
           <a:p>
@@ -14946,7 +12439,7 @@
             </a:pPr>
             <a:r>
               <a:rPr lang="en-US" dirty="0"/>
-              <a:t>Communication Mode Used(Call Center)- 32.7%</a:t>
+              <a:t>Communication mode used by customers (Call Center)- 32.7%</a:t>
             </a:r>
           </a:p>
           <a:p>
@@ -14955,7 +12448,7 @@
           <a:p>
             <a:r>
               <a:rPr lang="en-US" b="1" dirty="0"/>
-              <a:t>Customers preferred non-verbal communication</a:t>
+              <a:t>Billing question is the main reason for contacting the call center and customers preferred digital/online communication to convey their problem. </a:t>
             </a:r>
             <a:endParaRPr lang="en-IN" b="1" dirty="0"/>
           </a:p>
@@ -15241,7 +12734,7 @@
         <p:spPr>
           <a:xfrm>
             <a:off x="3261674" y="3913820"/>
-            <a:ext cx="5668651" cy="2585323"/>
+            <a:ext cx="5668651" cy="2862322"/>
           </a:xfrm>
           <a:prstGeom prst="rect">
             <a:avLst/>
@@ -15293,7 +12786,7 @@
             </a:pPr>
             <a:r>
               <a:rPr lang="en-IN" dirty="0"/>
-              <a:t>Hence Company need to work on improving response time.</a:t>
+              <a:t>Hence Company need to work on improving response time, i.e. promptly provide service to the customer request. </a:t>
             </a:r>
           </a:p>
           <a:p>
@@ -15415,7 +12908,7 @@
             </a:pPr>
             <a:r>
               <a:rPr lang="en-IN" dirty="0"/>
-              <a:t>Despite having (62%) response well within stipulated time and (12%) above SLA, why customers are still showing negative sentiments?</a:t>
+              <a:t>However, despite having (62%) response well within stipulated time and (12%) above SLA, customers are still showing negative sentiments.</a:t>
             </a:r>
           </a:p>
           <a:p>
@@ -15432,7 +12925,7 @@
             </a:pPr>
             <a:r>
               <a:rPr lang="en-IN" dirty="0"/>
-              <a:t>Average call duration= 25 Mins (high)</a:t>
+              <a:t>The observed average call duration= 25 Mins (high).</a:t>
             </a:r>
           </a:p>
           <a:p>
@@ -15449,10 +12942,8 @@
             </a:pPr>
             <a:r>
               <a:rPr lang="en-US" dirty="0"/>
-              <a:t>As the average call duration time is very close to each other for all call centers and proportion of customer sentiment distribution is also close to each other. We can say that, the negative &amp; very negative sentiment can be correlated with the average call duration.</a:t>
+              <a:t>Given that the average call duration and the distribution of negative and very negative customer sentiments are consistently similar across all call centers, we can infer a correlation between longer call durations and negative customer sentiment levels.</a:t>
             </a:r>
-          </a:p>
-          <a:p>
             <a:endParaRPr lang="en-IN" dirty="0"/>
           </a:p>
         </p:txBody>
@@ -15861,12 +13352,12 @@
                     <a:p>
                       <a:pPr algn="l" fontAlgn="b"/>
                       <a:r>
-                        <a:rPr lang="en-IN" sz="1600" u="none" strike="noStrike">
+                        <a:rPr lang="en-IN" sz="1600" u="none" strike="noStrike" dirty="0">
                           <a:effectLst/>
                         </a:rPr>
                         <a:t>Very Positive</a:t>
                       </a:r>
-                      <a:endParaRPr lang="en-IN" sz="1600" b="1" i="0" u="none" strike="noStrike">
+                      <a:endParaRPr lang="en-IN" sz="1600" b="1" i="0" u="none" strike="noStrike" dirty="0">
                         <a:solidFill>
                           <a:srgbClr val="000000"/>
                         </a:solidFill>
@@ -18244,8 +15735,8 @@
         </p:nvSpPr>
         <p:spPr>
           <a:xfrm>
-            <a:off x="7013542" y="4274371"/>
-            <a:ext cx="4449452" cy="1843465"/>
+            <a:off x="7013541" y="4274371"/>
+            <a:ext cx="4656843" cy="2183508"/>
           </a:xfrm>
           <a:prstGeom prst="roundRect">
             <a:avLst/>
@@ -18271,12 +15762,10 @@
           <a:bodyPr rtlCol="0" anchor="ctr"/>
           <a:lstStyle/>
           <a:p>
-            <a:pPr algn="ctr"/>
             <a:r>
               <a:rPr lang="en-US" dirty="0"/>
-              <a:t>Hence, the time taken by service executive to understand the client’s problem despite previously mentioned through communication channels can be considered as an important factor contributing to negative sentiment creation. </a:t>
+              <a:t>Hence, the time duration service executives taking to comprehend client issues, even after being communicated through various digital channels, can be considered as an important factor contributing to negative sentiment creation.</a:t>
             </a:r>
-            <a:endParaRPr lang="en-IN" dirty="0"/>
           </a:p>
         </p:txBody>
       </p:sp>
@@ -20047,14 +17536,14 @@
           <p:nvPr>
             <p:extLst>
               <p:ext uri="{D42A27DB-BD31-4B8C-83A1-F6EECF244321}">
-                <p14:modId xmlns:p14="http://schemas.microsoft.com/office/powerpoint/2010/main" val="3030720653"/>
+                <p14:modId xmlns:p14="http://schemas.microsoft.com/office/powerpoint/2010/main" val="3140298367"/>
               </p:ext>
             </p:extLst>
           </p:nvPr>
         </p:nvGraphicFramePr>
         <p:xfrm>
-          <a:off x="998391" y="896254"/>
-          <a:ext cx="3112545" cy="883920"/>
+          <a:off x="998391" y="730395"/>
+          <a:ext cx="3112545" cy="1049780"/>
         </p:xfrm>
         <a:graphic>
           <a:graphicData uri="http://schemas.openxmlformats.org/drawingml/2006/table">
@@ -20071,7 +17560,7 @@
                   </a:extLst>
                 </a:gridCol>
               </a:tblGrid>
-              <a:tr h="136563">
+              <a:tr h="262445">
                 <a:tc>
                   <a:txBody>
                     <a:bodyPr/>
@@ -20079,7 +17568,7 @@
                     <a:p>
                       <a:pPr algn="ctr" fontAlgn="b"/>
                       <a:r>
-                        <a:rPr lang="en-IN" sz="1400" u="none" strike="noStrike" dirty="0">
+                        <a:rPr lang="en-IN" sz="1400" b="1" u="none" strike="noStrike" dirty="0">
                           <a:effectLst/>
                         </a:rPr>
                         <a:t>Customer Segmentation-</a:t>
@@ -20132,7 +17621,7 @@
                   </a:ext>
                 </a:extLst>
               </a:tr>
-              <a:tr h="136563">
+              <a:tr h="262445">
                 <a:tc>
                   <a:txBody>
                     <a:bodyPr/>
@@ -20143,7 +17632,7 @@
                         <a:rPr lang="en-IN" sz="1400" u="none" strike="noStrike" dirty="0">
                           <a:effectLst/>
                         </a:rPr>
-                        <a:t>Region </a:t>
+                        <a:t>1). Region </a:t>
                       </a:r>
                       <a:endParaRPr lang="en-IN" sz="1400" b="0" i="0" u="none" strike="noStrike" dirty="0">
                         <a:solidFill>
@@ -20184,7 +17673,7 @@
                   </a:ext>
                 </a:extLst>
               </a:tr>
-              <a:tr h="136563">
+              <a:tr h="262445">
                 <a:tc>
                   <a:txBody>
                     <a:bodyPr/>
@@ -20195,7 +17684,7 @@
                         <a:rPr lang="en-IN" sz="1400" u="none" strike="noStrike" dirty="0">
                           <a:effectLst/>
                         </a:rPr>
-                        <a:t>Sentiment</a:t>
+                        <a:t>2). Sentiment</a:t>
                       </a:r>
                       <a:endParaRPr lang="en-IN" sz="1400" b="0" i="0" u="none" strike="noStrike" dirty="0">
                         <a:solidFill>
@@ -20236,7 +17725,7 @@
                   </a:ext>
                 </a:extLst>
               </a:tr>
-              <a:tr h="162725">
+              <a:tr h="262445">
                 <a:tc>
                   <a:txBody>
                     <a:bodyPr/>
@@ -20247,7 +17736,7 @@
                         <a:rPr lang="en-IN" sz="1400" u="none" strike="noStrike" dirty="0">
                           <a:effectLst/>
                         </a:rPr>
-                        <a:t>Mode of channel</a:t>
+                        <a:t>3). Mode of channel</a:t>
                       </a:r>
                       <a:endParaRPr lang="en-IN" sz="1400" b="0" i="0" u="none" strike="noStrike" dirty="0">
                         <a:solidFill>
@@ -20574,7 +18063,7 @@
             </a:pPr>
             <a:r>
               <a:rPr lang="en-US" dirty="0"/>
-              <a:t>In the October month, maximum complains are getting registered. </a:t>
+              <a:t>In the October month, maximum complains were registered. </a:t>
             </a:r>
           </a:p>
           <a:p>
